--- a/Sessions/Exam Question 4.pptx
+++ b/Sessions/Exam Question 4.pptx
@@ -10,13 +10,6 @@
     <p:sldId id="258" r:id="rId4"/>
     <p:sldId id="272" r:id="rId5"/>
     <p:sldId id="264" r:id="rId6"/>
-    <p:sldId id="267" r:id="rId7"/>
-    <p:sldId id="268" r:id="rId8"/>
-    <p:sldId id="269" r:id="rId9"/>
-    <p:sldId id="265" r:id="rId10"/>
-    <p:sldId id="270" r:id="rId11"/>
-    <p:sldId id="271" r:id="rId12"/>
-    <p:sldId id="266" r:id="rId13"/>
   </p:sldIdLst>
   <p:sldSz cx="12192000" cy="6858000"/>
   <p:notesSz cx="6858000" cy="9144000"/>
@@ -3427,993 +3420,6 @@
 </p:sld>
 </file>
 
-<file path=ppt/slides/slide10.xml><?xml version="1.0" encoding="utf-8"?>
-<p:sld xmlns:a="http://schemas.openxmlformats.org/drawingml/2006/main" xmlns:r="http://schemas.openxmlformats.org/officeDocument/2006/relationships" xmlns:p="http://schemas.openxmlformats.org/presentationml/2006/main">
-  <p:cSld>
-    <p:spTree>
-      <p:nvGrpSpPr>
-        <p:cNvPr id="1" name="">
-          <a:extLst>
-            <a:ext uri="{FF2B5EF4-FFF2-40B4-BE49-F238E27FC236}">
-              <a16:creationId xmlns:a16="http://schemas.microsoft.com/office/drawing/2014/main" id="{1B014DAB-C042-1223-4989-1F8A11A030C6}"/>
-            </a:ext>
-          </a:extLst>
-        </p:cNvPr>
-        <p:cNvGrpSpPr/>
-        <p:nvPr/>
-      </p:nvGrpSpPr>
-      <p:grpSpPr>
-        <a:xfrm>
-          <a:off x="0" y="0"/>
-          <a:ext cx="0" cy="0"/>
-          <a:chOff x="0" y="0"/>
-          <a:chExt cx="0" cy="0"/>
-        </a:xfrm>
-      </p:grpSpPr>
-      <p:sp>
-        <p:nvSpPr>
-          <p:cNvPr id="2" name="Title 1">
-            <a:extLst>
-              <a:ext uri="{FF2B5EF4-FFF2-40B4-BE49-F238E27FC236}">
-                <a16:creationId xmlns:a16="http://schemas.microsoft.com/office/drawing/2014/main" id="{14D3FD18-2DA2-26C2-ECCD-7D81FE3F8E44}"/>
-              </a:ext>
-            </a:extLst>
-          </p:cNvPr>
-          <p:cNvSpPr>
-            <a:spLocks noGrp="1"/>
-          </p:cNvSpPr>
-          <p:nvPr>
-            <p:ph type="title"/>
-          </p:nvPr>
-        </p:nvSpPr>
-        <p:spPr/>
-        <p:txBody>
-          <a:bodyPr>
-            <a:normAutofit/>
-          </a:bodyPr>
-          <a:lstStyle/>
-          <a:p>
-            <a:r>
-              <a:rPr lang="en-US" sz="4000" dirty="0"/>
-              <a:t>Comparing Data Modification Document vs. Graph</a:t>
-            </a:r>
-            <a:endParaRPr lang="en-AU" sz="4000" dirty="0"/>
-          </a:p>
-        </p:txBody>
-      </p:sp>
-      <p:sp>
-        <p:nvSpPr>
-          <p:cNvPr id="6" name="Text Placeholder 3">
-            <a:extLst>
-              <a:ext uri="{FF2B5EF4-FFF2-40B4-BE49-F238E27FC236}">
-                <a16:creationId xmlns:a16="http://schemas.microsoft.com/office/drawing/2014/main" id="{89E7788F-EEC3-ECDF-95F6-913054AC7248}"/>
-              </a:ext>
-            </a:extLst>
-          </p:cNvPr>
-          <p:cNvSpPr txBox="1">
-            <a:spLocks/>
-          </p:cNvSpPr>
-          <p:nvPr/>
-        </p:nvSpPr>
-        <p:spPr>
-          <a:xfrm>
-            <a:off x="992188" y="1833563"/>
-            <a:ext cx="5157787" cy="439737"/>
-          </a:xfrm>
-          <a:prstGeom prst="rect">
-            <a:avLst/>
-          </a:prstGeom>
-        </p:spPr>
-        <p:txBody>
-          <a:bodyPr vert="horz" lIns="91440" tIns="45720" rIns="91440" bIns="45720" rtlCol="0" anchor="b">
-            <a:normAutofit fontScale="92500"/>
-          </a:bodyPr>
-          <a:lstStyle>
-            <a:lvl1pPr marL="0" indent="0" algn="l" defTabSz="914400" rtl="0" eaLnBrk="1" latinLnBrk="0" hangingPunct="1">
-              <a:lnSpc>
-                <a:spcPct val="90000"/>
-              </a:lnSpc>
-              <a:spcBef>
-                <a:spcPts val="1000"/>
-              </a:spcBef>
-              <a:buFont typeface="Arial" panose="020B0604020202020204" pitchFamily="34" charset="0"/>
-              <a:buNone/>
-              <a:defRPr sz="2400" b="1" kern="1200">
-                <a:solidFill>
-                  <a:schemeClr val="tx1"/>
-                </a:solidFill>
-                <a:latin typeface="+mn-lt"/>
-                <a:ea typeface="+mn-ea"/>
-                <a:cs typeface="+mn-cs"/>
-              </a:defRPr>
-            </a:lvl1pPr>
-            <a:lvl2pPr marL="457200" indent="0" algn="l" defTabSz="914400" rtl="0" eaLnBrk="1" latinLnBrk="0" hangingPunct="1">
-              <a:lnSpc>
-                <a:spcPct val="90000"/>
-              </a:lnSpc>
-              <a:spcBef>
-                <a:spcPts val="500"/>
-              </a:spcBef>
-              <a:buFont typeface="Arial" panose="020B0604020202020204" pitchFamily="34" charset="0"/>
-              <a:buNone/>
-              <a:defRPr sz="2000" b="1" kern="1200">
-                <a:solidFill>
-                  <a:schemeClr val="tx1"/>
-                </a:solidFill>
-                <a:latin typeface="+mn-lt"/>
-                <a:ea typeface="+mn-ea"/>
-                <a:cs typeface="+mn-cs"/>
-              </a:defRPr>
-            </a:lvl2pPr>
-            <a:lvl3pPr marL="914400" indent="0" algn="l" defTabSz="914400" rtl="0" eaLnBrk="1" latinLnBrk="0" hangingPunct="1">
-              <a:lnSpc>
-                <a:spcPct val="90000"/>
-              </a:lnSpc>
-              <a:spcBef>
-                <a:spcPts val="500"/>
-              </a:spcBef>
-              <a:buFont typeface="Arial" panose="020B0604020202020204" pitchFamily="34" charset="0"/>
-              <a:buNone/>
-              <a:defRPr sz="1800" b="1" kern="1200">
-                <a:solidFill>
-                  <a:schemeClr val="tx1"/>
-                </a:solidFill>
-                <a:latin typeface="+mn-lt"/>
-                <a:ea typeface="+mn-ea"/>
-                <a:cs typeface="+mn-cs"/>
-              </a:defRPr>
-            </a:lvl3pPr>
-            <a:lvl4pPr marL="1371600" indent="0" algn="l" defTabSz="914400" rtl="0" eaLnBrk="1" latinLnBrk="0" hangingPunct="1">
-              <a:lnSpc>
-                <a:spcPct val="90000"/>
-              </a:lnSpc>
-              <a:spcBef>
-                <a:spcPts val="500"/>
-              </a:spcBef>
-              <a:buFont typeface="Arial" panose="020B0604020202020204" pitchFamily="34" charset="0"/>
-              <a:buNone/>
-              <a:defRPr sz="1600" b="1" kern="1200">
-                <a:solidFill>
-                  <a:schemeClr val="tx1"/>
-                </a:solidFill>
-                <a:latin typeface="+mn-lt"/>
-                <a:ea typeface="+mn-ea"/>
-                <a:cs typeface="+mn-cs"/>
-              </a:defRPr>
-            </a:lvl4pPr>
-            <a:lvl5pPr marL="1828800" indent="0" algn="l" defTabSz="914400" rtl="0" eaLnBrk="1" latinLnBrk="0" hangingPunct="1">
-              <a:lnSpc>
-                <a:spcPct val="90000"/>
-              </a:lnSpc>
-              <a:spcBef>
-                <a:spcPts val="500"/>
-              </a:spcBef>
-              <a:buFont typeface="Arial" panose="020B0604020202020204" pitchFamily="34" charset="0"/>
-              <a:buNone/>
-              <a:defRPr sz="1600" b="1" kern="1200">
-                <a:solidFill>
-                  <a:schemeClr val="tx1"/>
-                </a:solidFill>
-                <a:latin typeface="+mn-lt"/>
-                <a:ea typeface="+mn-ea"/>
-                <a:cs typeface="+mn-cs"/>
-              </a:defRPr>
-            </a:lvl5pPr>
-            <a:lvl6pPr marL="2286000" indent="0" algn="l" defTabSz="914400" rtl="0" eaLnBrk="1" latinLnBrk="0" hangingPunct="1">
-              <a:lnSpc>
-                <a:spcPct val="90000"/>
-              </a:lnSpc>
-              <a:spcBef>
-                <a:spcPts val="500"/>
-              </a:spcBef>
-              <a:buFont typeface="Arial" panose="020B0604020202020204" pitchFamily="34" charset="0"/>
-              <a:buNone/>
-              <a:defRPr sz="1600" b="1" kern="1200">
-                <a:solidFill>
-                  <a:schemeClr val="tx1"/>
-                </a:solidFill>
-                <a:latin typeface="+mn-lt"/>
-                <a:ea typeface="+mn-ea"/>
-                <a:cs typeface="+mn-cs"/>
-              </a:defRPr>
-            </a:lvl6pPr>
-            <a:lvl7pPr marL="2743200" indent="0" algn="l" defTabSz="914400" rtl="0" eaLnBrk="1" latinLnBrk="0" hangingPunct="1">
-              <a:lnSpc>
-                <a:spcPct val="90000"/>
-              </a:lnSpc>
-              <a:spcBef>
-                <a:spcPts val="500"/>
-              </a:spcBef>
-              <a:buFont typeface="Arial" panose="020B0604020202020204" pitchFamily="34" charset="0"/>
-              <a:buNone/>
-              <a:defRPr sz="1600" b="1" kern="1200">
-                <a:solidFill>
-                  <a:schemeClr val="tx1"/>
-                </a:solidFill>
-                <a:latin typeface="+mn-lt"/>
-                <a:ea typeface="+mn-ea"/>
-                <a:cs typeface="+mn-cs"/>
-              </a:defRPr>
-            </a:lvl7pPr>
-            <a:lvl8pPr marL="3200400" indent="0" algn="l" defTabSz="914400" rtl="0" eaLnBrk="1" latinLnBrk="0" hangingPunct="1">
-              <a:lnSpc>
-                <a:spcPct val="90000"/>
-              </a:lnSpc>
-              <a:spcBef>
-                <a:spcPts val="500"/>
-              </a:spcBef>
-              <a:buFont typeface="Arial" panose="020B0604020202020204" pitchFamily="34" charset="0"/>
-              <a:buNone/>
-              <a:defRPr sz="1600" b="1" kern="1200">
-                <a:solidFill>
-                  <a:schemeClr val="tx1"/>
-                </a:solidFill>
-                <a:latin typeface="+mn-lt"/>
-                <a:ea typeface="+mn-ea"/>
-                <a:cs typeface="+mn-cs"/>
-              </a:defRPr>
-            </a:lvl8pPr>
-            <a:lvl9pPr marL="3657600" indent="0" algn="l" defTabSz="914400" rtl="0" eaLnBrk="1" latinLnBrk="0" hangingPunct="1">
-              <a:lnSpc>
-                <a:spcPct val="90000"/>
-              </a:lnSpc>
-              <a:spcBef>
-                <a:spcPts val="500"/>
-              </a:spcBef>
-              <a:buFont typeface="Arial" panose="020B0604020202020204" pitchFamily="34" charset="0"/>
-              <a:buNone/>
-              <a:defRPr sz="1600" b="1" kern="1200">
-                <a:solidFill>
-                  <a:schemeClr val="tx1"/>
-                </a:solidFill>
-                <a:latin typeface="+mn-lt"/>
-                <a:ea typeface="+mn-ea"/>
-                <a:cs typeface="+mn-cs"/>
-              </a:defRPr>
-            </a:lvl9pPr>
-          </a:lstStyle>
-          <a:p>
-            <a:r>
-              <a:rPr lang="en-US" b="0" dirty="0"/>
-              <a:t>Fetch related data: Separate vs. Pattern</a:t>
-            </a:r>
-            <a:endParaRPr lang="en-AU" b="0" dirty="0"/>
-          </a:p>
-        </p:txBody>
-      </p:sp>
-      <p:pic>
-        <p:nvPicPr>
-          <p:cNvPr id="10" name="Picture 9">
-            <a:extLst>
-              <a:ext uri="{FF2B5EF4-FFF2-40B4-BE49-F238E27FC236}">
-                <a16:creationId xmlns:a16="http://schemas.microsoft.com/office/drawing/2014/main" id="{B5A69EFF-1760-0F30-EE8F-A4A1C51CA95E}"/>
-              </a:ext>
-            </a:extLst>
-          </p:cNvPr>
-          <p:cNvPicPr>
-            <a:picLocks noChangeAspect="1"/>
-          </p:cNvPicPr>
-          <p:nvPr/>
-        </p:nvPicPr>
-        <p:blipFill>
-          <a:blip r:embed="rId2"/>
-          <a:stretch>
-            <a:fillRect/>
-          </a:stretch>
-        </p:blipFill>
-        <p:spPr>
-          <a:xfrm>
-            <a:off x="992187" y="2416175"/>
-            <a:ext cx="2583561" cy="1648335"/>
-          </a:xfrm>
-          <a:prstGeom prst="rect">
-            <a:avLst/>
-          </a:prstGeom>
-        </p:spPr>
-      </p:pic>
-      <p:pic>
-        <p:nvPicPr>
-          <p:cNvPr id="12" name="Picture 11">
-            <a:extLst>
-              <a:ext uri="{FF2B5EF4-FFF2-40B4-BE49-F238E27FC236}">
-                <a16:creationId xmlns:a16="http://schemas.microsoft.com/office/drawing/2014/main" id="{3B15C991-741A-79E0-C956-C3F476FAE253}"/>
-              </a:ext>
-            </a:extLst>
-          </p:cNvPr>
-          <p:cNvPicPr>
-            <a:picLocks noChangeAspect="1"/>
-          </p:cNvPicPr>
-          <p:nvPr/>
-        </p:nvPicPr>
-        <p:blipFill>
-          <a:blip r:embed="rId3"/>
-          <a:stretch>
-            <a:fillRect/>
-          </a:stretch>
-        </p:blipFill>
-        <p:spPr>
-          <a:xfrm>
-            <a:off x="6457695" y="2416176"/>
-            <a:ext cx="3086356" cy="3785608"/>
-          </a:xfrm>
-          <a:prstGeom prst="rect">
-            <a:avLst/>
-          </a:prstGeom>
-        </p:spPr>
-      </p:pic>
-    </p:spTree>
-    <p:extLst>
-      <p:ext uri="{BB962C8B-B14F-4D97-AF65-F5344CB8AC3E}">
-        <p14:creationId xmlns:p14="http://schemas.microsoft.com/office/powerpoint/2010/main" val="2377931457"/>
-      </p:ext>
-    </p:extLst>
-  </p:cSld>
-  <p:clrMapOvr>
-    <a:masterClrMapping/>
-  </p:clrMapOvr>
-</p:sld>
-</file>
-
-<file path=ppt/slides/slide11.xml><?xml version="1.0" encoding="utf-8"?>
-<p:sld xmlns:a="http://schemas.openxmlformats.org/drawingml/2006/main" xmlns:r="http://schemas.openxmlformats.org/officeDocument/2006/relationships" xmlns:p="http://schemas.openxmlformats.org/presentationml/2006/main">
-  <p:cSld>
-    <p:spTree>
-      <p:nvGrpSpPr>
-        <p:cNvPr id="1" name="">
-          <a:extLst>
-            <a:ext uri="{FF2B5EF4-FFF2-40B4-BE49-F238E27FC236}">
-              <a16:creationId xmlns:a16="http://schemas.microsoft.com/office/drawing/2014/main" id="{FC6360B7-FB33-2881-734B-732E750FA30C}"/>
-            </a:ext>
-          </a:extLst>
-        </p:cNvPr>
-        <p:cNvGrpSpPr/>
-        <p:nvPr/>
-      </p:nvGrpSpPr>
-      <p:grpSpPr>
-        <a:xfrm>
-          <a:off x="0" y="0"/>
-          <a:ext cx="0" cy="0"/>
-          <a:chOff x="0" y="0"/>
-          <a:chExt cx="0" cy="0"/>
-        </a:xfrm>
-      </p:grpSpPr>
-      <p:sp>
-        <p:nvSpPr>
-          <p:cNvPr id="2" name="Title 1">
-            <a:extLst>
-              <a:ext uri="{FF2B5EF4-FFF2-40B4-BE49-F238E27FC236}">
-                <a16:creationId xmlns:a16="http://schemas.microsoft.com/office/drawing/2014/main" id="{382892F9-B214-E0AD-5614-5C4E642AAA9E}"/>
-              </a:ext>
-            </a:extLst>
-          </p:cNvPr>
-          <p:cNvSpPr>
-            <a:spLocks noGrp="1"/>
-          </p:cNvSpPr>
-          <p:nvPr>
-            <p:ph type="title"/>
-          </p:nvPr>
-        </p:nvSpPr>
-        <p:spPr/>
-        <p:txBody>
-          <a:bodyPr>
-            <a:normAutofit/>
-          </a:bodyPr>
-          <a:lstStyle/>
-          <a:p>
-            <a:r>
-              <a:rPr lang="en-US" sz="4000" dirty="0"/>
-              <a:t>Comparing Data Modification Document vs. Graph</a:t>
-            </a:r>
-            <a:endParaRPr lang="en-AU" sz="4000" dirty="0"/>
-          </a:p>
-        </p:txBody>
-      </p:sp>
-      <p:sp>
-        <p:nvSpPr>
-          <p:cNvPr id="6" name="Text Placeholder 3">
-            <a:extLst>
-              <a:ext uri="{FF2B5EF4-FFF2-40B4-BE49-F238E27FC236}">
-                <a16:creationId xmlns:a16="http://schemas.microsoft.com/office/drawing/2014/main" id="{A0080658-D280-B12B-2F48-8F966C4221B1}"/>
-              </a:ext>
-            </a:extLst>
-          </p:cNvPr>
-          <p:cNvSpPr txBox="1">
-            <a:spLocks/>
-          </p:cNvSpPr>
-          <p:nvPr/>
-        </p:nvSpPr>
-        <p:spPr>
-          <a:xfrm>
-            <a:off x="992188" y="1833563"/>
-            <a:ext cx="5157787" cy="439737"/>
-          </a:xfrm>
-          <a:prstGeom prst="rect">
-            <a:avLst/>
-          </a:prstGeom>
-        </p:spPr>
-        <p:txBody>
-          <a:bodyPr vert="horz" lIns="91440" tIns="45720" rIns="91440" bIns="45720" rtlCol="0" anchor="b">
-            <a:normAutofit/>
-          </a:bodyPr>
-          <a:lstStyle>
-            <a:lvl1pPr marL="0" indent="0" algn="l" defTabSz="914400" rtl="0" eaLnBrk="1" latinLnBrk="0" hangingPunct="1">
-              <a:lnSpc>
-                <a:spcPct val="90000"/>
-              </a:lnSpc>
-              <a:spcBef>
-                <a:spcPts val="1000"/>
-              </a:spcBef>
-              <a:buFont typeface="Arial" panose="020B0604020202020204" pitchFamily="34" charset="0"/>
-              <a:buNone/>
-              <a:defRPr sz="2400" b="1" kern="1200">
-                <a:solidFill>
-                  <a:schemeClr val="tx1"/>
-                </a:solidFill>
-                <a:latin typeface="+mn-lt"/>
-                <a:ea typeface="+mn-ea"/>
-                <a:cs typeface="+mn-cs"/>
-              </a:defRPr>
-            </a:lvl1pPr>
-            <a:lvl2pPr marL="457200" indent="0" algn="l" defTabSz="914400" rtl="0" eaLnBrk="1" latinLnBrk="0" hangingPunct="1">
-              <a:lnSpc>
-                <a:spcPct val="90000"/>
-              </a:lnSpc>
-              <a:spcBef>
-                <a:spcPts val="500"/>
-              </a:spcBef>
-              <a:buFont typeface="Arial" panose="020B0604020202020204" pitchFamily="34" charset="0"/>
-              <a:buNone/>
-              <a:defRPr sz="2000" b="1" kern="1200">
-                <a:solidFill>
-                  <a:schemeClr val="tx1"/>
-                </a:solidFill>
-                <a:latin typeface="+mn-lt"/>
-                <a:ea typeface="+mn-ea"/>
-                <a:cs typeface="+mn-cs"/>
-              </a:defRPr>
-            </a:lvl2pPr>
-            <a:lvl3pPr marL="914400" indent="0" algn="l" defTabSz="914400" rtl="0" eaLnBrk="1" latinLnBrk="0" hangingPunct="1">
-              <a:lnSpc>
-                <a:spcPct val="90000"/>
-              </a:lnSpc>
-              <a:spcBef>
-                <a:spcPts val="500"/>
-              </a:spcBef>
-              <a:buFont typeface="Arial" panose="020B0604020202020204" pitchFamily="34" charset="0"/>
-              <a:buNone/>
-              <a:defRPr sz="1800" b="1" kern="1200">
-                <a:solidFill>
-                  <a:schemeClr val="tx1"/>
-                </a:solidFill>
-                <a:latin typeface="+mn-lt"/>
-                <a:ea typeface="+mn-ea"/>
-                <a:cs typeface="+mn-cs"/>
-              </a:defRPr>
-            </a:lvl3pPr>
-            <a:lvl4pPr marL="1371600" indent="0" algn="l" defTabSz="914400" rtl="0" eaLnBrk="1" latinLnBrk="0" hangingPunct="1">
-              <a:lnSpc>
-                <a:spcPct val="90000"/>
-              </a:lnSpc>
-              <a:spcBef>
-                <a:spcPts val="500"/>
-              </a:spcBef>
-              <a:buFont typeface="Arial" panose="020B0604020202020204" pitchFamily="34" charset="0"/>
-              <a:buNone/>
-              <a:defRPr sz="1600" b="1" kern="1200">
-                <a:solidFill>
-                  <a:schemeClr val="tx1"/>
-                </a:solidFill>
-                <a:latin typeface="+mn-lt"/>
-                <a:ea typeface="+mn-ea"/>
-                <a:cs typeface="+mn-cs"/>
-              </a:defRPr>
-            </a:lvl4pPr>
-            <a:lvl5pPr marL="1828800" indent="0" algn="l" defTabSz="914400" rtl="0" eaLnBrk="1" latinLnBrk="0" hangingPunct="1">
-              <a:lnSpc>
-                <a:spcPct val="90000"/>
-              </a:lnSpc>
-              <a:spcBef>
-                <a:spcPts val="500"/>
-              </a:spcBef>
-              <a:buFont typeface="Arial" panose="020B0604020202020204" pitchFamily="34" charset="0"/>
-              <a:buNone/>
-              <a:defRPr sz="1600" b="1" kern="1200">
-                <a:solidFill>
-                  <a:schemeClr val="tx1"/>
-                </a:solidFill>
-                <a:latin typeface="+mn-lt"/>
-                <a:ea typeface="+mn-ea"/>
-                <a:cs typeface="+mn-cs"/>
-              </a:defRPr>
-            </a:lvl5pPr>
-            <a:lvl6pPr marL="2286000" indent="0" algn="l" defTabSz="914400" rtl="0" eaLnBrk="1" latinLnBrk="0" hangingPunct="1">
-              <a:lnSpc>
-                <a:spcPct val="90000"/>
-              </a:lnSpc>
-              <a:spcBef>
-                <a:spcPts val="500"/>
-              </a:spcBef>
-              <a:buFont typeface="Arial" panose="020B0604020202020204" pitchFamily="34" charset="0"/>
-              <a:buNone/>
-              <a:defRPr sz="1600" b="1" kern="1200">
-                <a:solidFill>
-                  <a:schemeClr val="tx1"/>
-                </a:solidFill>
-                <a:latin typeface="+mn-lt"/>
-                <a:ea typeface="+mn-ea"/>
-                <a:cs typeface="+mn-cs"/>
-              </a:defRPr>
-            </a:lvl6pPr>
-            <a:lvl7pPr marL="2743200" indent="0" algn="l" defTabSz="914400" rtl="0" eaLnBrk="1" latinLnBrk="0" hangingPunct="1">
-              <a:lnSpc>
-                <a:spcPct val="90000"/>
-              </a:lnSpc>
-              <a:spcBef>
-                <a:spcPts val="500"/>
-              </a:spcBef>
-              <a:buFont typeface="Arial" panose="020B0604020202020204" pitchFamily="34" charset="0"/>
-              <a:buNone/>
-              <a:defRPr sz="1600" b="1" kern="1200">
-                <a:solidFill>
-                  <a:schemeClr val="tx1"/>
-                </a:solidFill>
-                <a:latin typeface="+mn-lt"/>
-                <a:ea typeface="+mn-ea"/>
-                <a:cs typeface="+mn-cs"/>
-              </a:defRPr>
-            </a:lvl7pPr>
-            <a:lvl8pPr marL="3200400" indent="0" algn="l" defTabSz="914400" rtl="0" eaLnBrk="1" latinLnBrk="0" hangingPunct="1">
-              <a:lnSpc>
-                <a:spcPct val="90000"/>
-              </a:lnSpc>
-              <a:spcBef>
-                <a:spcPts val="500"/>
-              </a:spcBef>
-              <a:buFont typeface="Arial" panose="020B0604020202020204" pitchFamily="34" charset="0"/>
-              <a:buNone/>
-              <a:defRPr sz="1600" b="1" kern="1200">
-                <a:solidFill>
-                  <a:schemeClr val="tx1"/>
-                </a:solidFill>
-                <a:latin typeface="+mn-lt"/>
-                <a:ea typeface="+mn-ea"/>
-                <a:cs typeface="+mn-cs"/>
-              </a:defRPr>
-            </a:lvl8pPr>
-            <a:lvl9pPr marL="3657600" indent="0" algn="l" defTabSz="914400" rtl="0" eaLnBrk="1" latinLnBrk="0" hangingPunct="1">
-              <a:lnSpc>
-                <a:spcPct val="90000"/>
-              </a:lnSpc>
-              <a:spcBef>
-                <a:spcPts val="500"/>
-              </a:spcBef>
-              <a:buFont typeface="Arial" panose="020B0604020202020204" pitchFamily="34" charset="0"/>
-              <a:buNone/>
-              <a:defRPr sz="1600" b="1" kern="1200">
-                <a:solidFill>
-                  <a:schemeClr val="tx1"/>
-                </a:solidFill>
-                <a:latin typeface="+mn-lt"/>
-                <a:ea typeface="+mn-ea"/>
-                <a:cs typeface="+mn-cs"/>
-              </a:defRPr>
-            </a:lvl9pPr>
-          </a:lstStyle>
-          <a:p>
-            <a:r>
-              <a:rPr lang="en-US" b="0" dirty="0"/>
-              <a:t>Embedded vs. Separate</a:t>
-            </a:r>
-            <a:endParaRPr lang="en-AU" b="0" dirty="0"/>
-          </a:p>
-        </p:txBody>
-      </p:sp>
-      <p:pic>
-        <p:nvPicPr>
-          <p:cNvPr id="9" name="Picture 8">
-            <a:extLst>
-              <a:ext uri="{FF2B5EF4-FFF2-40B4-BE49-F238E27FC236}">
-                <a16:creationId xmlns:a16="http://schemas.microsoft.com/office/drawing/2014/main" id="{C4496413-E414-5A57-CB5E-19DB045B878F}"/>
-              </a:ext>
-            </a:extLst>
-          </p:cNvPr>
-          <p:cNvPicPr>
-            <a:picLocks noChangeAspect="1"/>
-          </p:cNvPicPr>
-          <p:nvPr/>
-        </p:nvPicPr>
-        <p:blipFill>
-          <a:blip r:embed="rId2"/>
-          <a:stretch>
-            <a:fillRect/>
-          </a:stretch>
-        </p:blipFill>
-        <p:spPr>
-          <a:xfrm>
-            <a:off x="6313155" y="2341490"/>
-            <a:ext cx="2691146" cy="3711741"/>
-          </a:xfrm>
-          <a:prstGeom prst="rect">
-            <a:avLst/>
-          </a:prstGeom>
-        </p:spPr>
-      </p:pic>
-      <p:pic>
-        <p:nvPicPr>
-          <p:cNvPr id="12" name="Picture 11">
-            <a:extLst>
-              <a:ext uri="{FF2B5EF4-FFF2-40B4-BE49-F238E27FC236}">
-                <a16:creationId xmlns:a16="http://schemas.microsoft.com/office/drawing/2014/main" id="{F5BE164A-E184-53D9-575B-4BB1028AE5CF}"/>
-              </a:ext>
-            </a:extLst>
-          </p:cNvPr>
-          <p:cNvPicPr>
-            <a:picLocks noChangeAspect="1"/>
-          </p:cNvPicPr>
-          <p:nvPr/>
-        </p:nvPicPr>
-        <p:blipFill>
-          <a:blip r:embed="rId3"/>
-          <a:stretch>
-            <a:fillRect/>
-          </a:stretch>
-        </p:blipFill>
-        <p:spPr>
-          <a:xfrm>
-            <a:off x="992189" y="2341490"/>
-            <a:ext cx="4892494" cy="1443110"/>
-          </a:xfrm>
-          <a:prstGeom prst="rect">
-            <a:avLst/>
-          </a:prstGeom>
-        </p:spPr>
-      </p:pic>
-    </p:spTree>
-    <p:extLst>
-      <p:ext uri="{BB962C8B-B14F-4D97-AF65-F5344CB8AC3E}">
-        <p14:creationId xmlns:p14="http://schemas.microsoft.com/office/powerpoint/2010/main" val="4155554261"/>
-      </p:ext>
-    </p:extLst>
-  </p:cSld>
-  <p:clrMapOvr>
-    <a:masterClrMapping/>
-  </p:clrMapOvr>
-</p:sld>
-</file>
-
-<file path=ppt/slides/slide12.xml><?xml version="1.0" encoding="utf-8"?>
-<p:sld xmlns:a="http://schemas.openxmlformats.org/drawingml/2006/main" xmlns:r="http://schemas.openxmlformats.org/officeDocument/2006/relationships" xmlns:p="http://schemas.openxmlformats.org/presentationml/2006/main">
-  <p:cSld>
-    <p:spTree>
-      <p:nvGrpSpPr>
-        <p:cNvPr id="1" name="">
-          <a:extLst>
-            <a:ext uri="{FF2B5EF4-FFF2-40B4-BE49-F238E27FC236}">
-              <a16:creationId xmlns:a16="http://schemas.microsoft.com/office/drawing/2014/main" id="{5E34C25C-A4CE-080E-75B4-FFDCC8BE573A}"/>
-            </a:ext>
-          </a:extLst>
-        </p:cNvPr>
-        <p:cNvGrpSpPr/>
-        <p:nvPr/>
-      </p:nvGrpSpPr>
-      <p:grpSpPr>
-        <a:xfrm>
-          <a:off x="0" y="0"/>
-          <a:ext cx="0" cy="0"/>
-          <a:chOff x="0" y="0"/>
-          <a:chExt cx="0" cy="0"/>
-        </a:xfrm>
-      </p:grpSpPr>
-      <p:sp>
-        <p:nvSpPr>
-          <p:cNvPr id="2" name="Title 1">
-            <a:extLst>
-              <a:ext uri="{FF2B5EF4-FFF2-40B4-BE49-F238E27FC236}">
-                <a16:creationId xmlns:a16="http://schemas.microsoft.com/office/drawing/2014/main" id="{04920926-0E5D-FF7A-38D6-CF03855E2E5B}"/>
-              </a:ext>
-            </a:extLst>
-          </p:cNvPr>
-          <p:cNvSpPr>
-            <a:spLocks noGrp="1"/>
-          </p:cNvSpPr>
-          <p:nvPr>
-            <p:ph type="title"/>
-          </p:nvPr>
-        </p:nvSpPr>
-        <p:spPr/>
-        <p:txBody>
-          <a:bodyPr>
-            <a:normAutofit/>
-          </a:bodyPr>
-          <a:lstStyle/>
-          <a:p>
-            <a:r>
-              <a:rPr lang="en-US" sz="4000" dirty="0"/>
-              <a:t>Comparing Data Modification Document vs. Graph</a:t>
-            </a:r>
-            <a:endParaRPr lang="en-AU" sz="4000" dirty="0"/>
-          </a:p>
-        </p:txBody>
-      </p:sp>
-      <p:sp>
-        <p:nvSpPr>
-          <p:cNvPr id="6" name="Text Placeholder 3">
-            <a:extLst>
-              <a:ext uri="{FF2B5EF4-FFF2-40B4-BE49-F238E27FC236}">
-                <a16:creationId xmlns:a16="http://schemas.microsoft.com/office/drawing/2014/main" id="{D22069E6-BD21-8F8C-645A-5461D74F5512}"/>
-              </a:ext>
-            </a:extLst>
-          </p:cNvPr>
-          <p:cNvSpPr txBox="1">
-            <a:spLocks/>
-          </p:cNvSpPr>
-          <p:nvPr/>
-        </p:nvSpPr>
-        <p:spPr>
-          <a:xfrm>
-            <a:off x="992188" y="1833563"/>
-            <a:ext cx="5157787" cy="439737"/>
-          </a:xfrm>
-          <a:prstGeom prst="rect">
-            <a:avLst/>
-          </a:prstGeom>
-        </p:spPr>
-        <p:txBody>
-          <a:bodyPr vert="horz" lIns="91440" tIns="45720" rIns="91440" bIns="45720" rtlCol="0" anchor="b">
-            <a:normAutofit/>
-          </a:bodyPr>
-          <a:lstStyle>
-            <a:lvl1pPr marL="0" indent="0" algn="l" defTabSz="914400" rtl="0" eaLnBrk="1" latinLnBrk="0" hangingPunct="1">
-              <a:lnSpc>
-                <a:spcPct val="90000"/>
-              </a:lnSpc>
-              <a:spcBef>
-                <a:spcPts val="1000"/>
-              </a:spcBef>
-              <a:buFont typeface="Arial" panose="020B0604020202020204" pitchFamily="34" charset="0"/>
-              <a:buNone/>
-              <a:defRPr sz="2400" b="1" kern="1200">
-                <a:solidFill>
-                  <a:schemeClr val="tx1"/>
-                </a:solidFill>
-                <a:latin typeface="+mn-lt"/>
-                <a:ea typeface="+mn-ea"/>
-                <a:cs typeface="+mn-cs"/>
-              </a:defRPr>
-            </a:lvl1pPr>
-            <a:lvl2pPr marL="457200" indent="0" algn="l" defTabSz="914400" rtl="0" eaLnBrk="1" latinLnBrk="0" hangingPunct="1">
-              <a:lnSpc>
-                <a:spcPct val="90000"/>
-              </a:lnSpc>
-              <a:spcBef>
-                <a:spcPts val="500"/>
-              </a:spcBef>
-              <a:buFont typeface="Arial" panose="020B0604020202020204" pitchFamily="34" charset="0"/>
-              <a:buNone/>
-              <a:defRPr sz="2000" b="1" kern="1200">
-                <a:solidFill>
-                  <a:schemeClr val="tx1"/>
-                </a:solidFill>
-                <a:latin typeface="+mn-lt"/>
-                <a:ea typeface="+mn-ea"/>
-                <a:cs typeface="+mn-cs"/>
-              </a:defRPr>
-            </a:lvl2pPr>
-            <a:lvl3pPr marL="914400" indent="0" algn="l" defTabSz="914400" rtl="0" eaLnBrk="1" latinLnBrk="0" hangingPunct="1">
-              <a:lnSpc>
-                <a:spcPct val="90000"/>
-              </a:lnSpc>
-              <a:spcBef>
-                <a:spcPts val="500"/>
-              </a:spcBef>
-              <a:buFont typeface="Arial" panose="020B0604020202020204" pitchFamily="34" charset="0"/>
-              <a:buNone/>
-              <a:defRPr sz="1800" b="1" kern="1200">
-                <a:solidFill>
-                  <a:schemeClr val="tx1"/>
-                </a:solidFill>
-                <a:latin typeface="+mn-lt"/>
-                <a:ea typeface="+mn-ea"/>
-                <a:cs typeface="+mn-cs"/>
-              </a:defRPr>
-            </a:lvl3pPr>
-            <a:lvl4pPr marL="1371600" indent="0" algn="l" defTabSz="914400" rtl="0" eaLnBrk="1" latinLnBrk="0" hangingPunct="1">
-              <a:lnSpc>
-                <a:spcPct val="90000"/>
-              </a:lnSpc>
-              <a:spcBef>
-                <a:spcPts val="500"/>
-              </a:spcBef>
-              <a:buFont typeface="Arial" panose="020B0604020202020204" pitchFamily="34" charset="0"/>
-              <a:buNone/>
-              <a:defRPr sz="1600" b="1" kern="1200">
-                <a:solidFill>
-                  <a:schemeClr val="tx1"/>
-                </a:solidFill>
-                <a:latin typeface="+mn-lt"/>
-                <a:ea typeface="+mn-ea"/>
-                <a:cs typeface="+mn-cs"/>
-              </a:defRPr>
-            </a:lvl4pPr>
-            <a:lvl5pPr marL="1828800" indent="0" algn="l" defTabSz="914400" rtl="0" eaLnBrk="1" latinLnBrk="0" hangingPunct="1">
-              <a:lnSpc>
-                <a:spcPct val="90000"/>
-              </a:lnSpc>
-              <a:spcBef>
-                <a:spcPts val="500"/>
-              </a:spcBef>
-              <a:buFont typeface="Arial" panose="020B0604020202020204" pitchFamily="34" charset="0"/>
-              <a:buNone/>
-              <a:defRPr sz="1600" b="1" kern="1200">
-                <a:solidFill>
-                  <a:schemeClr val="tx1"/>
-                </a:solidFill>
-                <a:latin typeface="+mn-lt"/>
-                <a:ea typeface="+mn-ea"/>
-                <a:cs typeface="+mn-cs"/>
-              </a:defRPr>
-            </a:lvl5pPr>
-            <a:lvl6pPr marL="2286000" indent="0" algn="l" defTabSz="914400" rtl="0" eaLnBrk="1" latinLnBrk="0" hangingPunct="1">
-              <a:lnSpc>
-                <a:spcPct val="90000"/>
-              </a:lnSpc>
-              <a:spcBef>
-                <a:spcPts val="500"/>
-              </a:spcBef>
-              <a:buFont typeface="Arial" panose="020B0604020202020204" pitchFamily="34" charset="0"/>
-              <a:buNone/>
-              <a:defRPr sz="1600" b="1" kern="1200">
-                <a:solidFill>
-                  <a:schemeClr val="tx1"/>
-                </a:solidFill>
-                <a:latin typeface="+mn-lt"/>
-                <a:ea typeface="+mn-ea"/>
-                <a:cs typeface="+mn-cs"/>
-              </a:defRPr>
-            </a:lvl6pPr>
-            <a:lvl7pPr marL="2743200" indent="0" algn="l" defTabSz="914400" rtl="0" eaLnBrk="1" latinLnBrk="0" hangingPunct="1">
-              <a:lnSpc>
-                <a:spcPct val="90000"/>
-              </a:lnSpc>
-              <a:spcBef>
-                <a:spcPts val="500"/>
-              </a:spcBef>
-              <a:buFont typeface="Arial" panose="020B0604020202020204" pitchFamily="34" charset="0"/>
-              <a:buNone/>
-              <a:defRPr sz="1600" b="1" kern="1200">
-                <a:solidFill>
-                  <a:schemeClr val="tx1"/>
-                </a:solidFill>
-                <a:latin typeface="+mn-lt"/>
-                <a:ea typeface="+mn-ea"/>
-                <a:cs typeface="+mn-cs"/>
-              </a:defRPr>
-            </a:lvl7pPr>
-            <a:lvl8pPr marL="3200400" indent="0" algn="l" defTabSz="914400" rtl="0" eaLnBrk="1" latinLnBrk="0" hangingPunct="1">
-              <a:lnSpc>
-                <a:spcPct val="90000"/>
-              </a:lnSpc>
-              <a:spcBef>
-                <a:spcPts val="500"/>
-              </a:spcBef>
-              <a:buFont typeface="Arial" panose="020B0604020202020204" pitchFamily="34" charset="0"/>
-              <a:buNone/>
-              <a:defRPr sz="1600" b="1" kern="1200">
-                <a:solidFill>
-                  <a:schemeClr val="tx1"/>
-                </a:solidFill>
-                <a:latin typeface="+mn-lt"/>
-                <a:ea typeface="+mn-ea"/>
-                <a:cs typeface="+mn-cs"/>
-              </a:defRPr>
-            </a:lvl8pPr>
-            <a:lvl9pPr marL="3657600" indent="0" algn="l" defTabSz="914400" rtl="0" eaLnBrk="1" latinLnBrk="0" hangingPunct="1">
-              <a:lnSpc>
-                <a:spcPct val="90000"/>
-              </a:lnSpc>
-              <a:spcBef>
-                <a:spcPts val="500"/>
-              </a:spcBef>
-              <a:buFont typeface="Arial" panose="020B0604020202020204" pitchFamily="34" charset="0"/>
-              <a:buNone/>
-              <a:defRPr sz="1600" b="1" kern="1200">
-                <a:solidFill>
-                  <a:schemeClr val="tx1"/>
-                </a:solidFill>
-                <a:latin typeface="+mn-lt"/>
-                <a:ea typeface="+mn-ea"/>
-                <a:cs typeface="+mn-cs"/>
-              </a:defRPr>
-            </a:lvl9pPr>
-          </a:lstStyle>
-          <a:p>
-            <a:r>
-              <a:rPr lang="en-US" b="0" dirty="0"/>
-              <a:t>Declarative DSL</a:t>
-            </a:r>
-            <a:endParaRPr lang="en-AU" b="0" dirty="0"/>
-          </a:p>
-        </p:txBody>
-      </p:sp>
-      <p:pic>
-        <p:nvPicPr>
-          <p:cNvPr id="9" name="Picture 8" descr="A screen shot of a computer program&#10;&#10;AI-generated content may be incorrect.">
-            <a:extLst>
-              <a:ext uri="{FF2B5EF4-FFF2-40B4-BE49-F238E27FC236}">
-                <a16:creationId xmlns:a16="http://schemas.microsoft.com/office/drawing/2014/main" id="{B2D05EB4-092A-F566-A0FE-BFA029CAD5AC}"/>
-              </a:ext>
-            </a:extLst>
-          </p:cNvPr>
-          <p:cNvPicPr>
-            <a:picLocks noChangeAspect="1"/>
-          </p:cNvPicPr>
-          <p:nvPr/>
-        </p:nvPicPr>
-        <p:blipFill>
-          <a:blip r:embed="rId2">
-            <a:extLst>
-              <a:ext uri="{28A0092B-C50C-407E-A947-70E740481C1C}">
-                <a14:useLocalDpi xmlns:a14="http://schemas.microsoft.com/office/drawing/2010/main" val="0"/>
-              </a:ext>
-            </a:extLst>
-          </a:blip>
-          <a:stretch>
-            <a:fillRect/>
-          </a:stretch>
-        </p:blipFill>
-        <p:spPr>
-          <a:xfrm>
-            <a:off x="992189" y="2416175"/>
-            <a:ext cx="2855912" cy="3840709"/>
-          </a:xfrm>
-          <a:prstGeom prst="rect">
-            <a:avLst/>
-          </a:prstGeom>
-        </p:spPr>
-      </p:pic>
-      <p:pic>
-        <p:nvPicPr>
-          <p:cNvPr id="12" name="Picture 11">
-            <a:extLst>
-              <a:ext uri="{FF2B5EF4-FFF2-40B4-BE49-F238E27FC236}">
-                <a16:creationId xmlns:a16="http://schemas.microsoft.com/office/drawing/2014/main" id="{A9FB9049-5D23-A3D8-3AA5-556BE0581645}"/>
-              </a:ext>
-            </a:extLst>
-          </p:cNvPr>
-          <p:cNvPicPr>
-            <a:picLocks noChangeAspect="1"/>
-          </p:cNvPicPr>
-          <p:nvPr/>
-        </p:nvPicPr>
-        <p:blipFill>
-          <a:blip r:embed="rId3"/>
-          <a:stretch>
-            <a:fillRect/>
-          </a:stretch>
-        </p:blipFill>
-        <p:spPr>
-          <a:xfrm>
-            <a:off x="5868670" y="2416175"/>
-            <a:ext cx="4544059" cy="3153215"/>
-          </a:xfrm>
-          <a:prstGeom prst="rect">
-            <a:avLst/>
-          </a:prstGeom>
-        </p:spPr>
-      </p:pic>
-    </p:spTree>
-    <p:extLst>
-      <p:ext uri="{BB962C8B-B14F-4D97-AF65-F5344CB8AC3E}">
-        <p14:creationId xmlns:p14="http://schemas.microsoft.com/office/powerpoint/2010/main" val="3991701863"/>
-      </p:ext>
-    </p:extLst>
-  </p:cSld>
-  <p:clrMapOvr>
-    <a:masterClrMapping/>
-  </p:clrMapOvr>
-</p:sld>
-</file>
-
 <file path=ppt/slides/slide2.xml><?xml version="1.0" encoding="utf-8"?>
 <p:sld xmlns:a="http://schemas.openxmlformats.org/drawingml/2006/main" xmlns:r="http://schemas.openxmlformats.org/officeDocument/2006/relationships" xmlns:p="http://schemas.openxmlformats.org/presentationml/2006/main">
   <p:cSld>
@@ -6593,1314 +5599,6 @@
     <p:extLst>
       <p:ext uri="{BB962C8B-B14F-4D97-AF65-F5344CB8AC3E}">
         <p14:creationId xmlns:p14="http://schemas.microsoft.com/office/powerpoint/2010/main" val="3263899828"/>
-      </p:ext>
-    </p:extLst>
-  </p:cSld>
-  <p:clrMapOvr>
-    <a:masterClrMapping/>
-  </p:clrMapOvr>
-</p:sld>
-</file>
-
-<file path=ppt/slides/slide6.xml><?xml version="1.0" encoding="utf-8"?>
-<p:sld xmlns:a="http://schemas.openxmlformats.org/drawingml/2006/main" xmlns:r="http://schemas.openxmlformats.org/officeDocument/2006/relationships" xmlns:p="http://schemas.openxmlformats.org/presentationml/2006/main">
-  <p:cSld>
-    <p:spTree>
-      <p:nvGrpSpPr>
-        <p:cNvPr id="1" name="">
-          <a:extLst>
-            <a:ext uri="{FF2B5EF4-FFF2-40B4-BE49-F238E27FC236}">
-              <a16:creationId xmlns:a16="http://schemas.microsoft.com/office/drawing/2014/main" id="{77C24577-2E17-11E7-9F10-33F228DBAB2D}"/>
-            </a:ext>
-          </a:extLst>
-        </p:cNvPr>
-        <p:cNvGrpSpPr/>
-        <p:nvPr/>
-      </p:nvGrpSpPr>
-      <p:grpSpPr>
-        <a:xfrm>
-          <a:off x="0" y="0"/>
-          <a:ext cx="0" cy="0"/>
-          <a:chOff x="0" y="0"/>
-          <a:chExt cx="0" cy="0"/>
-        </a:xfrm>
-      </p:grpSpPr>
-      <p:sp>
-        <p:nvSpPr>
-          <p:cNvPr id="2" name="Title 1">
-            <a:extLst>
-              <a:ext uri="{FF2B5EF4-FFF2-40B4-BE49-F238E27FC236}">
-                <a16:creationId xmlns:a16="http://schemas.microsoft.com/office/drawing/2014/main" id="{D3A86E97-497C-F652-A82E-69DE9E921CF9}"/>
-              </a:ext>
-            </a:extLst>
-          </p:cNvPr>
-          <p:cNvSpPr>
-            <a:spLocks noGrp="1"/>
-          </p:cNvSpPr>
-          <p:nvPr>
-            <p:ph type="title"/>
-          </p:nvPr>
-        </p:nvSpPr>
-        <p:spPr/>
-        <p:txBody>
-          <a:bodyPr>
-            <a:normAutofit/>
-          </a:bodyPr>
-          <a:lstStyle/>
-          <a:p>
-            <a:r>
-              <a:rPr lang="en-US" sz="4000" dirty="0"/>
-              <a:t>Comparing Data Modification Document vs. Graph</a:t>
-            </a:r>
-            <a:endParaRPr lang="en-AU" sz="4000" dirty="0"/>
-          </a:p>
-        </p:txBody>
-      </p:sp>
-      <p:sp>
-        <p:nvSpPr>
-          <p:cNvPr id="6" name="Text Placeholder 3">
-            <a:extLst>
-              <a:ext uri="{FF2B5EF4-FFF2-40B4-BE49-F238E27FC236}">
-                <a16:creationId xmlns:a16="http://schemas.microsoft.com/office/drawing/2014/main" id="{4A135E0E-CB5B-EAE6-B7A9-86E0E32F5C1E}"/>
-              </a:ext>
-            </a:extLst>
-          </p:cNvPr>
-          <p:cNvSpPr txBox="1">
-            <a:spLocks/>
-          </p:cNvSpPr>
-          <p:nvPr/>
-        </p:nvSpPr>
-        <p:spPr>
-          <a:xfrm>
-            <a:off x="992188" y="1833563"/>
-            <a:ext cx="5157787" cy="439737"/>
-          </a:xfrm>
-          <a:prstGeom prst="rect">
-            <a:avLst/>
-          </a:prstGeom>
-        </p:spPr>
-        <p:txBody>
-          <a:bodyPr vert="horz" lIns="91440" tIns="45720" rIns="91440" bIns="45720" rtlCol="0" anchor="b">
-            <a:normAutofit/>
-          </a:bodyPr>
-          <a:lstStyle>
-            <a:lvl1pPr marL="0" indent="0" algn="l" defTabSz="914400" rtl="0" eaLnBrk="1" latinLnBrk="0" hangingPunct="1">
-              <a:lnSpc>
-                <a:spcPct val="90000"/>
-              </a:lnSpc>
-              <a:spcBef>
-                <a:spcPts val="1000"/>
-              </a:spcBef>
-              <a:buFont typeface="Arial" panose="020B0604020202020204" pitchFamily="34" charset="0"/>
-              <a:buNone/>
-              <a:defRPr sz="2400" b="1" kern="1200">
-                <a:solidFill>
-                  <a:schemeClr val="tx1"/>
-                </a:solidFill>
-                <a:latin typeface="+mn-lt"/>
-                <a:ea typeface="+mn-ea"/>
-                <a:cs typeface="+mn-cs"/>
-              </a:defRPr>
-            </a:lvl1pPr>
-            <a:lvl2pPr marL="457200" indent="0" algn="l" defTabSz="914400" rtl="0" eaLnBrk="1" latinLnBrk="0" hangingPunct="1">
-              <a:lnSpc>
-                <a:spcPct val="90000"/>
-              </a:lnSpc>
-              <a:spcBef>
-                <a:spcPts val="500"/>
-              </a:spcBef>
-              <a:buFont typeface="Arial" panose="020B0604020202020204" pitchFamily="34" charset="0"/>
-              <a:buNone/>
-              <a:defRPr sz="2000" b="1" kern="1200">
-                <a:solidFill>
-                  <a:schemeClr val="tx1"/>
-                </a:solidFill>
-                <a:latin typeface="+mn-lt"/>
-                <a:ea typeface="+mn-ea"/>
-                <a:cs typeface="+mn-cs"/>
-              </a:defRPr>
-            </a:lvl2pPr>
-            <a:lvl3pPr marL="914400" indent="0" algn="l" defTabSz="914400" rtl="0" eaLnBrk="1" latinLnBrk="0" hangingPunct="1">
-              <a:lnSpc>
-                <a:spcPct val="90000"/>
-              </a:lnSpc>
-              <a:spcBef>
-                <a:spcPts val="500"/>
-              </a:spcBef>
-              <a:buFont typeface="Arial" panose="020B0604020202020204" pitchFamily="34" charset="0"/>
-              <a:buNone/>
-              <a:defRPr sz="1800" b="1" kern="1200">
-                <a:solidFill>
-                  <a:schemeClr val="tx1"/>
-                </a:solidFill>
-                <a:latin typeface="+mn-lt"/>
-                <a:ea typeface="+mn-ea"/>
-                <a:cs typeface="+mn-cs"/>
-              </a:defRPr>
-            </a:lvl3pPr>
-            <a:lvl4pPr marL="1371600" indent="0" algn="l" defTabSz="914400" rtl="0" eaLnBrk="1" latinLnBrk="0" hangingPunct="1">
-              <a:lnSpc>
-                <a:spcPct val="90000"/>
-              </a:lnSpc>
-              <a:spcBef>
-                <a:spcPts val="500"/>
-              </a:spcBef>
-              <a:buFont typeface="Arial" panose="020B0604020202020204" pitchFamily="34" charset="0"/>
-              <a:buNone/>
-              <a:defRPr sz="1600" b="1" kern="1200">
-                <a:solidFill>
-                  <a:schemeClr val="tx1"/>
-                </a:solidFill>
-                <a:latin typeface="+mn-lt"/>
-                <a:ea typeface="+mn-ea"/>
-                <a:cs typeface="+mn-cs"/>
-              </a:defRPr>
-            </a:lvl4pPr>
-            <a:lvl5pPr marL="1828800" indent="0" algn="l" defTabSz="914400" rtl="0" eaLnBrk="1" latinLnBrk="0" hangingPunct="1">
-              <a:lnSpc>
-                <a:spcPct val="90000"/>
-              </a:lnSpc>
-              <a:spcBef>
-                <a:spcPts val="500"/>
-              </a:spcBef>
-              <a:buFont typeface="Arial" panose="020B0604020202020204" pitchFamily="34" charset="0"/>
-              <a:buNone/>
-              <a:defRPr sz="1600" b="1" kern="1200">
-                <a:solidFill>
-                  <a:schemeClr val="tx1"/>
-                </a:solidFill>
-                <a:latin typeface="+mn-lt"/>
-                <a:ea typeface="+mn-ea"/>
-                <a:cs typeface="+mn-cs"/>
-              </a:defRPr>
-            </a:lvl5pPr>
-            <a:lvl6pPr marL="2286000" indent="0" algn="l" defTabSz="914400" rtl="0" eaLnBrk="1" latinLnBrk="0" hangingPunct="1">
-              <a:lnSpc>
-                <a:spcPct val="90000"/>
-              </a:lnSpc>
-              <a:spcBef>
-                <a:spcPts val="500"/>
-              </a:spcBef>
-              <a:buFont typeface="Arial" panose="020B0604020202020204" pitchFamily="34" charset="0"/>
-              <a:buNone/>
-              <a:defRPr sz="1600" b="1" kern="1200">
-                <a:solidFill>
-                  <a:schemeClr val="tx1"/>
-                </a:solidFill>
-                <a:latin typeface="+mn-lt"/>
-                <a:ea typeface="+mn-ea"/>
-                <a:cs typeface="+mn-cs"/>
-              </a:defRPr>
-            </a:lvl6pPr>
-            <a:lvl7pPr marL="2743200" indent="0" algn="l" defTabSz="914400" rtl="0" eaLnBrk="1" latinLnBrk="0" hangingPunct="1">
-              <a:lnSpc>
-                <a:spcPct val="90000"/>
-              </a:lnSpc>
-              <a:spcBef>
-                <a:spcPts val="500"/>
-              </a:spcBef>
-              <a:buFont typeface="Arial" panose="020B0604020202020204" pitchFamily="34" charset="0"/>
-              <a:buNone/>
-              <a:defRPr sz="1600" b="1" kern="1200">
-                <a:solidFill>
-                  <a:schemeClr val="tx1"/>
-                </a:solidFill>
-                <a:latin typeface="+mn-lt"/>
-                <a:ea typeface="+mn-ea"/>
-                <a:cs typeface="+mn-cs"/>
-              </a:defRPr>
-            </a:lvl7pPr>
-            <a:lvl8pPr marL="3200400" indent="0" algn="l" defTabSz="914400" rtl="0" eaLnBrk="1" latinLnBrk="0" hangingPunct="1">
-              <a:lnSpc>
-                <a:spcPct val="90000"/>
-              </a:lnSpc>
-              <a:spcBef>
-                <a:spcPts val="500"/>
-              </a:spcBef>
-              <a:buFont typeface="Arial" panose="020B0604020202020204" pitchFamily="34" charset="0"/>
-              <a:buNone/>
-              <a:defRPr sz="1600" b="1" kern="1200">
-                <a:solidFill>
-                  <a:schemeClr val="tx1"/>
-                </a:solidFill>
-                <a:latin typeface="+mn-lt"/>
-                <a:ea typeface="+mn-ea"/>
-                <a:cs typeface="+mn-cs"/>
-              </a:defRPr>
-            </a:lvl8pPr>
-            <a:lvl9pPr marL="3657600" indent="0" algn="l" defTabSz="914400" rtl="0" eaLnBrk="1" latinLnBrk="0" hangingPunct="1">
-              <a:lnSpc>
-                <a:spcPct val="90000"/>
-              </a:lnSpc>
-              <a:spcBef>
-                <a:spcPts val="500"/>
-              </a:spcBef>
-              <a:buFont typeface="Arial" panose="020B0604020202020204" pitchFamily="34" charset="0"/>
-              <a:buNone/>
-              <a:defRPr sz="1600" b="1" kern="1200">
-                <a:solidFill>
-                  <a:schemeClr val="tx1"/>
-                </a:solidFill>
-                <a:latin typeface="+mn-lt"/>
-                <a:ea typeface="+mn-ea"/>
-                <a:cs typeface="+mn-cs"/>
-              </a:defRPr>
-            </a:lvl9pPr>
-          </a:lstStyle>
-          <a:p>
-            <a:r>
-              <a:rPr lang="en-US" b="0" dirty="0"/>
-              <a:t>Update</a:t>
-            </a:r>
-            <a:endParaRPr lang="en-AU" b="0" dirty="0"/>
-          </a:p>
-        </p:txBody>
-      </p:sp>
-      <p:pic>
-        <p:nvPicPr>
-          <p:cNvPr id="15" name="Picture 14">
-            <a:extLst>
-              <a:ext uri="{FF2B5EF4-FFF2-40B4-BE49-F238E27FC236}">
-                <a16:creationId xmlns:a16="http://schemas.microsoft.com/office/drawing/2014/main" id="{D3C1A987-E7CC-FE7E-FD81-055FFEEC8079}"/>
-              </a:ext>
-            </a:extLst>
-          </p:cNvPr>
-          <p:cNvPicPr>
-            <a:picLocks noChangeAspect="1"/>
-          </p:cNvPicPr>
-          <p:nvPr/>
-        </p:nvPicPr>
-        <p:blipFill>
-          <a:blip r:embed="rId2"/>
-          <a:stretch>
-            <a:fillRect/>
-          </a:stretch>
-        </p:blipFill>
-        <p:spPr>
-          <a:xfrm>
-            <a:off x="992187" y="2324990"/>
-            <a:ext cx="3917061" cy="1608225"/>
-          </a:xfrm>
-          <a:prstGeom prst="rect">
-            <a:avLst/>
-          </a:prstGeom>
-        </p:spPr>
-      </p:pic>
-      <p:pic>
-        <p:nvPicPr>
-          <p:cNvPr id="12" name="Picture 11">
-            <a:extLst>
-              <a:ext uri="{FF2B5EF4-FFF2-40B4-BE49-F238E27FC236}">
-                <a16:creationId xmlns:a16="http://schemas.microsoft.com/office/drawing/2014/main" id="{1C2B95B3-EF6A-81DC-20B9-6C273F75110F}"/>
-              </a:ext>
-            </a:extLst>
-          </p:cNvPr>
-          <p:cNvPicPr>
-            <a:picLocks noChangeAspect="1"/>
-          </p:cNvPicPr>
-          <p:nvPr/>
-        </p:nvPicPr>
-        <p:blipFill>
-          <a:blip r:embed="rId3"/>
-          <a:stretch>
-            <a:fillRect/>
-          </a:stretch>
-        </p:blipFill>
-        <p:spPr>
-          <a:xfrm>
-            <a:off x="6149975" y="2324990"/>
-            <a:ext cx="4706007" cy="3924848"/>
-          </a:xfrm>
-          <a:prstGeom prst="rect">
-            <a:avLst/>
-          </a:prstGeom>
-        </p:spPr>
-      </p:pic>
-    </p:spTree>
-    <p:extLst>
-      <p:ext uri="{BB962C8B-B14F-4D97-AF65-F5344CB8AC3E}">
-        <p14:creationId xmlns:p14="http://schemas.microsoft.com/office/powerpoint/2010/main" val="15072453"/>
-      </p:ext>
-    </p:extLst>
-  </p:cSld>
-  <p:clrMapOvr>
-    <a:masterClrMapping/>
-  </p:clrMapOvr>
-</p:sld>
-</file>
-
-<file path=ppt/slides/slide7.xml><?xml version="1.0" encoding="utf-8"?>
-<p:sld xmlns:a="http://schemas.openxmlformats.org/drawingml/2006/main" xmlns:r="http://schemas.openxmlformats.org/officeDocument/2006/relationships" xmlns:p="http://schemas.openxmlformats.org/presentationml/2006/main">
-  <p:cSld>
-    <p:spTree>
-      <p:nvGrpSpPr>
-        <p:cNvPr id="1" name="">
-          <a:extLst>
-            <a:ext uri="{FF2B5EF4-FFF2-40B4-BE49-F238E27FC236}">
-              <a16:creationId xmlns:a16="http://schemas.microsoft.com/office/drawing/2014/main" id="{E19E42A2-410D-821E-1B51-57C9C7801FDF}"/>
-            </a:ext>
-          </a:extLst>
-        </p:cNvPr>
-        <p:cNvGrpSpPr/>
-        <p:nvPr/>
-      </p:nvGrpSpPr>
-      <p:grpSpPr>
-        <a:xfrm>
-          <a:off x="0" y="0"/>
-          <a:ext cx="0" cy="0"/>
-          <a:chOff x="0" y="0"/>
-          <a:chExt cx="0" cy="0"/>
-        </a:xfrm>
-      </p:grpSpPr>
-      <p:sp>
-        <p:nvSpPr>
-          <p:cNvPr id="2" name="Title 1">
-            <a:extLst>
-              <a:ext uri="{FF2B5EF4-FFF2-40B4-BE49-F238E27FC236}">
-                <a16:creationId xmlns:a16="http://schemas.microsoft.com/office/drawing/2014/main" id="{C4A8C076-2618-12DD-0EF5-3778A8B74679}"/>
-              </a:ext>
-            </a:extLst>
-          </p:cNvPr>
-          <p:cNvSpPr>
-            <a:spLocks noGrp="1"/>
-          </p:cNvSpPr>
-          <p:nvPr>
-            <p:ph type="title"/>
-          </p:nvPr>
-        </p:nvSpPr>
-        <p:spPr/>
-        <p:txBody>
-          <a:bodyPr>
-            <a:normAutofit/>
-          </a:bodyPr>
-          <a:lstStyle/>
-          <a:p>
-            <a:r>
-              <a:rPr lang="en-US" sz="4000" dirty="0"/>
-              <a:t>Comparing Data Modification Document vs. Graph</a:t>
-            </a:r>
-            <a:endParaRPr lang="en-AU" sz="4000" dirty="0"/>
-          </a:p>
-        </p:txBody>
-      </p:sp>
-      <p:sp>
-        <p:nvSpPr>
-          <p:cNvPr id="6" name="Text Placeholder 3">
-            <a:extLst>
-              <a:ext uri="{FF2B5EF4-FFF2-40B4-BE49-F238E27FC236}">
-                <a16:creationId xmlns:a16="http://schemas.microsoft.com/office/drawing/2014/main" id="{1EA07DC1-483A-32F3-260D-EAEBBBCD1C06}"/>
-              </a:ext>
-            </a:extLst>
-          </p:cNvPr>
-          <p:cNvSpPr txBox="1">
-            <a:spLocks/>
-          </p:cNvSpPr>
-          <p:nvPr/>
-        </p:nvSpPr>
-        <p:spPr>
-          <a:xfrm>
-            <a:off x="992188" y="1833563"/>
-            <a:ext cx="5157787" cy="439737"/>
-          </a:xfrm>
-          <a:prstGeom prst="rect">
-            <a:avLst/>
-          </a:prstGeom>
-        </p:spPr>
-        <p:txBody>
-          <a:bodyPr vert="horz" lIns="91440" tIns="45720" rIns="91440" bIns="45720" rtlCol="0" anchor="b">
-            <a:normAutofit/>
-          </a:bodyPr>
-          <a:lstStyle>
-            <a:lvl1pPr marL="0" indent="0" algn="l" defTabSz="914400" rtl="0" eaLnBrk="1" latinLnBrk="0" hangingPunct="1">
-              <a:lnSpc>
-                <a:spcPct val="90000"/>
-              </a:lnSpc>
-              <a:spcBef>
-                <a:spcPts val="1000"/>
-              </a:spcBef>
-              <a:buFont typeface="Arial" panose="020B0604020202020204" pitchFamily="34" charset="0"/>
-              <a:buNone/>
-              <a:defRPr sz="2400" b="1" kern="1200">
-                <a:solidFill>
-                  <a:schemeClr val="tx1"/>
-                </a:solidFill>
-                <a:latin typeface="+mn-lt"/>
-                <a:ea typeface="+mn-ea"/>
-                <a:cs typeface="+mn-cs"/>
-              </a:defRPr>
-            </a:lvl1pPr>
-            <a:lvl2pPr marL="457200" indent="0" algn="l" defTabSz="914400" rtl="0" eaLnBrk="1" latinLnBrk="0" hangingPunct="1">
-              <a:lnSpc>
-                <a:spcPct val="90000"/>
-              </a:lnSpc>
-              <a:spcBef>
-                <a:spcPts val="500"/>
-              </a:spcBef>
-              <a:buFont typeface="Arial" panose="020B0604020202020204" pitchFamily="34" charset="0"/>
-              <a:buNone/>
-              <a:defRPr sz="2000" b="1" kern="1200">
-                <a:solidFill>
-                  <a:schemeClr val="tx1"/>
-                </a:solidFill>
-                <a:latin typeface="+mn-lt"/>
-                <a:ea typeface="+mn-ea"/>
-                <a:cs typeface="+mn-cs"/>
-              </a:defRPr>
-            </a:lvl2pPr>
-            <a:lvl3pPr marL="914400" indent="0" algn="l" defTabSz="914400" rtl="0" eaLnBrk="1" latinLnBrk="0" hangingPunct="1">
-              <a:lnSpc>
-                <a:spcPct val="90000"/>
-              </a:lnSpc>
-              <a:spcBef>
-                <a:spcPts val="500"/>
-              </a:spcBef>
-              <a:buFont typeface="Arial" panose="020B0604020202020204" pitchFamily="34" charset="0"/>
-              <a:buNone/>
-              <a:defRPr sz="1800" b="1" kern="1200">
-                <a:solidFill>
-                  <a:schemeClr val="tx1"/>
-                </a:solidFill>
-                <a:latin typeface="+mn-lt"/>
-                <a:ea typeface="+mn-ea"/>
-                <a:cs typeface="+mn-cs"/>
-              </a:defRPr>
-            </a:lvl3pPr>
-            <a:lvl4pPr marL="1371600" indent="0" algn="l" defTabSz="914400" rtl="0" eaLnBrk="1" latinLnBrk="0" hangingPunct="1">
-              <a:lnSpc>
-                <a:spcPct val="90000"/>
-              </a:lnSpc>
-              <a:spcBef>
-                <a:spcPts val="500"/>
-              </a:spcBef>
-              <a:buFont typeface="Arial" panose="020B0604020202020204" pitchFamily="34" charset="0"/>
-              <a:buNone/>
-              <a:defRPr sz="1600" b="1" kern="1200">
-                <a:solidFill>
-                  <a:schemeClr val="tx1"/>
-                </a:solidFill>
-                <a:latin typeface="+mn-lt"/>
-                <a:ea typeface="+mn-ea"/>
-                <a:cs typeface="+mn-cs"/>
-              </a:defRPr>
-            </a:lvl4pPr>
-            <a:lvl5pPr marL="1828800" indent="0" algn="l" defTabSz="914400" rtl="0" eaLnBrk="1" latinLnBrk="0" hangingPunct="1">
-              <a:lnSpc>
-                <a:spcPct val="90000"/>
-              </a:lnSpc>
-              <a:spcBef>
-                <a:spcPts val="500"/>
-              </a:spcBef>
-              <a:buFont typeface="Arial" panose="020B0604020202020204" pitchFamily="34" charset="0"/>
-              <a:buNone/>
-              <a:defRPr sz="1600" b="1" kern="1200">
-                <a:solidFill>
-                  <a:schemeClr val="tx1"/>
-                </a:solidFill>
-                <a:latin typeface="+mn-lt"/>
-                <a:ea typeface="+mn-ea"/>
-                <a:cs typeface="+mn-cs"/>
-              </a:defRPr>
-            </a:lvl5pPr>
-            <a:lvl6pPr marL="2286000" indent="0" algn="l" defTabSz="914400" rtl="0" eaLnBrk="1" latinLnBrk="0" hangingPunct="1">
-              <a:lnSpc>
-                <a:spcPct val="90000"/>
-              </a:lnSpc>
-              <a:spcBef>
-                <a:spcPts val="500"/>
-              </a:spcBef>
-              <a:buFont typeface="Arial" panose="020B0604020202020204" pitchFamily="34" charset="0"/>
-              <a:buNone/>
-              <a:defRPr sz="1600" b="1" kern="1200">
-                <a:solidFill>
-                  <a:schemeClr val="tx1"/>
-                </a:solidFill>
-                <a:latin typeface="+mn-lt"/>
-                <a:ea typeface="+mn-ea"/>
-                <a:cs typeface="+mn-cs"/>
-              </a:defRPr>
-            </a:lvl6pPr>
-            <a:lvl7pPr marL="2743200" indent="0" algn="l" defTabSz="914400" rtl="0" eaLnBrk="1" latinLnBrk="0" hangingPunct="1">
-              <a:lnSpc>
-                <a:spcPct val="90000"/>
-              </a:lnSpc>
-              <a:spcBef>
-                <a:spcPts val="500"/>
-              </a:spcBef>
-              <a:buFont typeface="Arial" panose="020B0604020202020204" pitchFamily="34" charset="0"/>
-              <a:buNone/>
-              <a:defRPr sz="1600" b="1" kern="1200">
-                <a:solidFill>
-                  <a:schemeClr val="tx1"/>
-                </a:solidFill>
-                <a:latin typeface="+mn-lt"/>
-                <a:ea typeface="+mn-ea"/>
-                <a:cs typeface="+mn-cs"/>
-              </a:defRPr>
-            </a:lvl7pPr>
-            <a:lvl8pPr marL="3200400" indent="0" algn="l" defTabSz="914400" rtl="0" eaLnBrk="1" latinLnBrk="0" hangingPunct="1">
-              <a:lnSpc>
-                <a:spcPct val="90000"/>
-              </a:lnSpc>
-              <a:spcBef>
-                <a:spcPts val="500"/>
-              </a:spcBef>
-              <a:buFont typeface="Arial" panose="020B0604020202020204" pitchFamily="34" charset="0"/>
-              <a:buNone/>
-              <a:defRPr sz="1600" b="1" kern="1200">
-                <a:solidFill>
-                  <a:schemeClr val="tx1"/>
-                </a:solidFill>
-                <a:latin typeface="+mn-lt"/>
-                <a:ea typeface="+mn-ea"/>
-                <a:cs typeface="+mn-cs"/>
-              </a:defRPr>
-            </a:lvl8pPr>
-            <a:lvl9pPr marL="3657600" indent="0" algn="l" defTabSz="914400" rtl="0" eaLnBrk="1" latinLnBrk="0" hangingPunct="1">
-              <a:lnSpc>
-                <a:spcPct val="90000"/>
-              </a:lnSpc>
-              <a:spcBef>
-                <a:spcPts val="500"/>
-              </a:spcBef>
-              <a:buFont typeface="Arial" panose="020B0604020202020204" pitchFamily="34" charset="0"/>
-              <a:buNone/>
-              <a:defRPr sz="1600" b="1" kern="1200">
-                <a:solidFill>
-                  <a:schemeClr val="tx1"/>
-                </a:solidFill>
-                <a:latin typeface="+mn-lt"/>
-                <a:ea typeface="+mn-ea"/>
-                <a:cs typeface="+mn-cs"/>
-              </a:defRPr>
-            </a:lvl9pPr>
-          </a:lstStyle>
-          <a:p>
-            <a:r>
-              <a:rPr lang="en-US" b="0" dirty="0" err="1"/>
-              <a:t>Upsert</a:t>
-            </a:r>
-            <a:endParaRPr lang="en-AU" b="0" dirty="0"/>
-          </a:p>
-        </p:txBody>
-      </p:sp>
-      <p:pic>
-        <p:nvPicPr>
-          <p:cNvPr id="21" name="Picture 20">
-            <a:extLst>
-              <a:ext uri="{FF2B5EF4-FFF2-40B4-BE49-F238E27FC236}">
-                <a16:creationId xmlns:a16="http://schemas.microsoft.com/office/drawing/2014/main" id="{0BDA5242-994E-5956-9E83-23F203A959FE}"/>
-              </a:ext>
-            </a:extLst>
-          </p:cNvPr>
-          <p:cNvPicPr>
-            <a:picLocks noChangeAspect="1"/>
-          </p:cNvPicPr>
-          <p:nvPr/>
-        </p:nvPicPr>
-        <p:blipFill>
-          <a:blip r:embed="rId2"/>
-          <a:stretch>
-            <a:fillRect/>
-          </a:stretch>
-        </p:blipFill>
-        <p:spPr>
-          <a:xfrm>
-            <a:off x="992187" y="2346014"/>
-            <a:ext cx="4496427" cy="981212"/>
-          </a:xfrm>
-          <a:prstGeom prst="rect">
-            <a:avLst/>
-          </a:prstGeom>
-        </p:spPr>
-      </p:pic>
-      <p:pic>
-        <p:nvPicPr>
-          <p:cNvPr id="12" name="Picture 11">
-            <a:extLst>
-              <a:ext uri="{FF2B5EF4-FFF2-40B4-BE49-F238E27FC236}">
-                <a16:creationId xmlns:a16="http://schemas.microsoft.com/office/drawing/2014/main" id="{E0C6E6BA-5F5E-3537-980D-E69390B2EBFF}"/>
-              </a:ext>
-            </a:extLst>
-          </p:cNvPr>
-          <p:cNvPicPr>
-            <a:picLocks noChangeAspect="1"/>
-          </p:cNvPicPr>
-          <p:nvPr/>
-        </p:nvPicPr>
-        <p:blipFill>
-          <a:blip r:embed="rId3"/>
-          <a:stretch>
-            <a:fillRect/>
-          </a:stretch>
-        </p:blipFill>
-        <p:spPr>
-          <a:xfrm>
-            <a:off x="6703388" y="2346014"/>
-            <a:ext cx="2953162" cy="3905795"/>
-          </a:xfrm>
-          <a:prstGeom prst="rect">
-            <a:avLst/>
-          </a:prstGeom>
-        </p:spPr>
-      </p:pic>
-    </p:spTree>
-    <p:extLst>
-      <p:ext uri="{BB962C8B-B14F-4D97-AF65-F5344CB8AC3E}">
-        <p14:creationId xmlns:p14="http://schemas.microsoft.com/office/powerpoint/2010/main" val="3780278027"/>
-      </p:ext>
-    </p:extLst>
-  </p:cSld>
-  <p:clrMapOvr>
-    <a:masterClrMapping/>
-  </p:clrMapOvr>
-</p:sld>
-</file>
-
-<file path=ppt/slides/slide8.xml><?xml version="1.0" encoding="utf-8"?>
-<p:sld xmlns:a="http://schemas.openxmlformats.org/drawingml/2006/main" xmlns:r="http://schemas.openxmlformats.org/officeDocument/2006/relationships" xmlns:p="http://schemas.openxmlformats.org/presentationml/2006/main">
-  <p:cSld>
-    <p:spTree>
-      <p:nvGrpSpPr>
-        <p:cNvPr id="1" name="">
-          <a:extLst>
-            <a:ext uri="{FF2B5EF4-FFF2-40B4-BE49-F238E27FC236}">
-              <a16:creationId xmlns:a16="http://schemas.microsoft.com/office/drawing/2014/main" id="{329DB411-5278-F00B-EEA9-FBA23C595F0F}"/>
-            </a:ext>
-          </a:extLst>
-        </p:cNvPr>
-        <p:cNvGrpSpPr/>
-        <p:nvPr/>
-      </p:nvGrpSpPr>
-      <p:grpSpPr>
-        <a:xfrm>
-          <a:off x="0" y="0"/>
-          <a:ext cx="0" cy="0"/>
-          <a:chOff x="0" y="0"/>
-          <a:chExt cx="0" cy="0"/>
-        </a:xfrm>
-      </p:grpSpPr>
-      <p:sp>
-        <p:nvSpPr>
-          <p:cNvPr id="2" name="Title 1">
-            <a:extLst>
-              <a:ext uri="{FF2B5EF4-FFF2-40B4-BE49-F238E27FC236}">
-                <a16:creationId xmlns:a16="http://schemas.microsoft.com/office/drawing/2014/main" id="{79D2CB7A-465C-7E68-9DA7-5B03D3C7B9F3}"/>
-              </a:ext>
-            </a:extLst>
-          </p:cNvPr>
-          <p:cNvSpPr>
-            <a:spLocks noGrp="1"/>
-          </p:cNvSpPr>
-          <p:nvPr>
-            <p:ph type="title"/>
-          </p:nvPr>
-        </p:nvSpPr>
-        <p:spPr/>
-        <p:txBody>
-          <a:bodyPr>
-            <a:normAutofit/>
-          </a:bodyPr>
-          <a:lstStyle/>
-          <a:p>
-            <a:r>
-              <a:rPr lang="en-US" sz="4000" dirty="0"/>
-              <a:t>Comparing Data Modification Document vs. Graph</a:t>
-            </a:r>
-            <a:endParaRPr lang="en-AU" sz="4000" dirty="0"/>
-          </a:p>
-        </p:txBody>
-      </p:sp>
-      <p:sp>
-        <p:nvSpPr>
-          <p:cNvPr id="6" name="Text Placeholder 3">
-            <a:extLst>
-              <a:ext uri="{FF2B5EF4-FFF2-40B4-BE49-F238E27FC236}">
-                <a16:creationId xmlns:a16="http://schemas.microsoft.com/office/drawing/2014/main" id="{31F09B0C-CFA3-8091-D33C-DB3E28C853E7}"/>
-              </a:ext>
-            </a:extLst>
-          </p:cNvPr>
-          <p:cNvSpPr txBox="1">
-            <a:spLocks/>
-          </p:cNvSpPr>
-          <p:nvPr/>
-        </p:nvSpPr>
-        <p:spPr>
-          <a:xfrm>
-            <a:off x="992188" y="1833563"/>
-            <a:ext cx="5157787" cy="439737"/>
-          </a:xfrm>
-          <a:prstGeom prst="rect">
-            <a:avLst/>
-          </a:prstGeom>
-        </p:spPr>
-        <p:txBody>
-          <a:bodyPr vert="horz" lIns="91440" tIns="45720" rIns="91440" bIns="45720" rtlCol="0" anchor="b">
-            <a:normAutofit/>
-          </a:bodyPr>
-          <a:lstStyle>
-            <a:lvl1pPr marL="0" indent="0" algn="l" defTabSz="914400" rtl="0" eaLnBrk="1" latinLnBrk="0" hangingPunct="1">
-              <a:lnSpc>
-                <a:spcPct val="90000"/>
-              </a:lnSpc>
-              <a:spcBef>
-                <a:spcPts val="1000"/>
-              </a:spcBef>
-              <a:buFont typeface="Arial" panose="020B0604020202020204" pitchFamily="34" charset="0"/>
-              <a:buNone/>
-              <a:defRPr sz="2400" b="1" kern="1200">
-                <a:solidFill>
-                  <a:schemeClr val="tx1"/>
-                </a:solidFill>
-                <a:latin typeface="+mn-lt"/>
-                <a:ea typeface="+mn-ea"/>
-                <a:cs typeface="+mn-cs"/>
-              </a:defRPr>
-            </a:lvl1pPr>
-            <a:lvl2pPr marL="457200" indent="0" algn="l" defTabSz="914400" rtl="0" eaLnBrk="1" latinLnBrk="0" hangingPunct="1">
-              <a:lnSpc>
-                <a:spcPct val="90000"/>
-              </a:lnSpc>
-              <a:spcBef>
-                <a:spcPts val="500"/>
-              </a:spcBef>
-              <a:buFont typeface="Arial" panose="020B0604020202020204" pitchFamily="34" charset="0"/>
-              <a:buNone/>
-              <a:defRPr sz="2000" b="1" kern="1200">
-                <a:solidFill>
-                  <a:schemeClr val="tx1"/>
-                </a:solidFill>
-                <a:latin typeface="+mn-lt"/>
-                <a:ea typeface="+mn-ea"/>
-                <a:cs typeface="+mn-cs"/>
-              </a:defRPr>
-            </a:lvl2pPr>
-            <a:lvl3pPr marL="914400" indent="0" algn="l" defTabSz="914400" rtl="0" eaLnBrk="1" latinLnBrk="0" hangingPunct="1">
-              <a:lnSpc>
-                <a:spcPct val="90000"/>
-              </a:lnSpc>
-              <a:spcBef>
-                <a:spcPts val="500"/>
-              </a:spcBef>
-              <a:buFont typeface="Arial" panose="020B0604020202020204" pitchFamily="34" charset="0"/>
-              <a:buNone/>
-              <a:defRPr sz="1800" b="1" kern="1200">
-                <a:solidFill>
-                  <a:schemeClr val="tx1"/>
-                </a:solidFill>
-                <a:latin typeface="+mn-lt"/>
-                <a:ea typeface="+mn-ea"/>
-                <a:cs typeface="+mn-cs"/>
-              </a:defRPr>
-            </a:lvl3pPr>
-            <a:lvl4pPr marL="1371600" indent="0" algn="l" defTabSz="914400" rtl="0" eaLnBrk="1" latinLnBrk="0" hangingPunct="1">
-              <a:lnSpc>
-                <a:spcPct val="90000"/>
-              </a:lnSpc>
-              <a:spcBef>
-                <a:spcPts val="500"/>
-              </a:spcBef>
-              <a:buFont typeface="Arial" panose="020B0604020202020204" pitchFamily="34" charset="0"/>
-              <a:buNone/>
-              <a:defRPr sz="1600" b="1" kern="1200">
-                <a:solidFill>
-                  <a:schemeClr val="tx1"/>
-                </a:solidFill>
-                <a:latin typeface="+mn-lt"/>
-                <a:ea typeface="+mn-ea"/>
-                <a:cs typeface="+mn-cs"/>
-              </a:defRPr>
-            </a:lvl4pPr>
-            <a:lvl5pPr marL="1828800" indent="0" algn="l" defTabSz="914400" rtl="0" eaLnBrk="1" latinLnBrk="0" hangingPunct="1">
-              <a:lnSpc>
-                <a:spcPct val="90000"/>
-              </a:lnSpc>
-              <a:spcBef>
-                <a:spcPts val="500"/>
-              </a:spcBef>
-              <a:buFont typeface="Arial" panose="020B0604020202020204" pitchFamily="34" charset="0"/>
-              <a:buNone/>
-              <a:defRPr sz="1600" b="1" kern="1200">
-                <a:solidFill>
-                  <a:schemeClr val="tx1"/>
-                </a:solidFill>
-                <a:latin typeface="+mn-lt"/>
-                <a:ea typeface="+mn-ea"/>
-                <a:cs typeface="+mn-cs"/>
-              </a:defRPr>
-            </a:lvl5pPr>
-            <a:lvl6pPr marL="2286000" indent="0" algn="l" defTabSz="914400" rtl="0" eaLnBrk="1" latinLnBrk="0" hangingPunct="1">
-              <a:lnSpc>
-                <a:spcPct val="90000"/>
-              </a:lnSpc>
-              <a:spcBef>
-                <a:spcPts val="500"/>
-              </a:spcBef>
-              <a:buFont typeface="Arial" panose="020B0604020202020204" pitchFamily="34" charset="0"/>
-              <a:buNone/>
-              <a:defRPr sz="1600" b="1" kern="1200">
-                <a:solidFill>
-                  <a:schemeClr val="tx1"/>
-                </a:solidFill>
-                <a:latin typeface="+mn-lt"/>
-                <a:ea typeface="+mn-ea"/>
-                <a:cs typeface="+mn-cs"/>
-              </a:defRPr>
-            </a:lvl6pPr>
-            <a:lvl7pPr marL="2743200" indent="0" algn="l" defTabSz="914400" rtl="0" eaLnBrk="1" latinLnBrk="0" hangingPunct="1">
-              <a:lnSpc>
-                <a:spcPct val="90000"/>
-              </a:lnSpc>
-              <a:spcBef>
-                <a:spcPts val="500"/>
-              </a:spcBef>
-              <a:buFont typeface="Arial" panose="020B0604020202020204" pitchFamily="34" charset="0"/>
-              <a:buNone/>
-              <a:defRPr sz="1600" b="1" kern="1200">
-                <a:solidFill>
-                  <a:schemeClr val="tx1"/>
-                </a:solidFill>
-                <a:latin typeface="+mn-lt"/>
-                <a:ea typeface="+mn-ea"/>
-                <a:cs typeface="+mn-cs"/>
-              </a:defRPr>
-            </a:lvl7pPr>
-            <a:lvl8pPr marL="3200400" indent="0" algn="l" defTabSz="914400" rtl="0" eaLnBrk="1" latinLnBrk="0" hangingPunct="1">
-              <a:lnSpc>
-                <a:spcPct val="90000"/>
-              </a:lnSpc>
-              <a:spcBef>
-                <a:spcPts val="500"/>
-              </a:spcBef>
-              <a:buFont typeface="Arial" panose="020B0604020202020204" pitchFamily="34" charset="0"/>
-              <a:buNone/>
-              <a:defRPr sz="1600" b="1" kern="1200">
-                <a:solidFill>
-                  <a:schemeClr val="tx1"/>
-                </a:solidFill>
-                <a:latin typeface="+mn-lt"/>
-                <a:ea typeface="+mn-ea"/>
-                <a:cs typeface="+mn-cs"/>
-              </a:defRPr>
-            </a:lvl8pPr>
-            <a:lvl9pPr marL="3657600" indent="0" algn="l" defTabSz="914400" rtl="0" eaLnBrk="1" latinLnBrk="0" hangingPunct="1">
-              <a:lnSpc>
-                <a:spcPct val="90000"/>
-              </a:lnSpc>
-              <a:spcBef>
-                <a:spcPts val="500"/>
-              </a:spcBef>
-              <a:buFont typeface="Arial" panose="020B0604020202020204" pitchFamily="34" charset="0"/>
-              <a:buNone/>
-              <a:defRPr sz="1600" b="1" kern="1200">
-                <a:solidFill>
-                  <a:schemeClr val="tx1"/>
-                </a:solidFill>
-                <a:latin typeface="+mn-lt"/>
-                <a:ea typeface="+mn-ea"/>
-                <a:cs typeface="+mn-cs"/>
-              </a:defRPr>
-            </a:lvl9pPr>
-          </a:lstStyle>
-          <a:p>
-            <a:r>
-              <a:rPr lang="en-US" b="0" dirty="0"/>
-              <a:t>Delete</a:t>
-            </a:r>
-            <a:endParaRPr lang="en-AU" b="0" dirty="0"/>
-          </a:p>
-        </p:txBody>
-      </p:sp>
-      <p:pic>
-        <p:nvPicPr>
-          <p:cNvPr id="19" name="Picture 18">
-            <a:extLst>
-              <a:ext uri="{FF2B5EF4-FFF2-40B4-BE49-F238E27FC236}">
-                <a16:creationId xmlns:a16="http://schemas.microsoft.com/office/drawing/2014/main" id="{B2BABA62-D163-5809-F7E2-F76014120830}"/>
-              </a:ext>
-            </a:extLst>
-          </p:cNvPr>
-          <p:cNvPicPr>
-            <a:picLocks noChangeAspect="1"/>
-          </p:cNvPicPr>
-          <p:nvPr/>
-        </p:nvPicPr>
-        <p:blipFill>
-          <a:blip r:embed="rId2"/>
-          <a:stretch>
-            <a:fillRect/>
-          </a:stretch>
-        </p:blipFill>
-        <p:spPr>
-          <a:xfrm>
-            <a:off x="992187" y="2346014"/>
-            <a:ext cx="4896533" cy="1000265"/>
-          </a:xfrm>
-          <a:prstGeom prst="rect">
-            <a:avLst/>
-          </a:prstGeom>
-        </p:spPr>
-      </p:pic>
-      <p:pic>
-        <p:nvPicPr>
-          <p:cNvPr id="8" name="Picture 7">
-            <a:extLst>
-              <a:ext uri="{FF2B5EF4-FFF2-40B4-BE49-F238E27FC236}">
-                <a16:creationId xmlns:a16="http://schemas.microsoft.com/office/drawing/2014/main" id="{44C6522E-0050-E18D-B2EA-90C6FE716124}"/>
-              </a:ext>
-            </a:extLst>
-          </p:cNvPr>
-          <p:cNvPicPr>
-            <a:picLocks noChangeAspect="1"/>
-          </p:cNvPicPr>
-          <p:nvPr/>
-        </p:nvPicPr>
-        <p:blipFill>
-          <a:blip r:embed="rId3"/>
-          <a:stretch>
-            <a:fillRect/>
-          </a:stretch>
-        </p:blipFill>
-        <p:spPr>
-          <a:xfrm>
-            <a:off x="7511853" y="2346014"/>
-            <a:ext cx="2819794" cy="3219899"/>
-          </a:xfrm>
-          <a:prstGeom prst="rect">
-            <a:avLst/>
-          </a:prstGeom>
-        </p:spPr>
-      </p:pic>
-    </p:spTree>
-    <p:extLst>
-      <p:ext uri="{BB962C8B-B14F-4D97-AF65-F5344CB8AC3E}">
-        <p14:creationId xmlns:p14="http://schemas.microsoft.com/office/powerpoint/2010/main" val="1550278611"/>
-      </p:ext>
-    </p:extLst>
-  </p:cSld>
-  <p:clrMapOvr>
-    <a:masterClrMapping/>
-  </p:clrMapOvr>
-</p:sld>
-</file>
-
-<file path=ppt/slides/slide9.xml><?xml version="1.0" encoding="utf-8"?>
-<p:sld xmlns:a="http://schemas.openxmlformats.org/drawingml/2006/main" xmlns:r="http://schemas.openxmlformats.org/officeDocument/2006/relationships" xmlns:p="http://schemas.openxmlformats.org/presentationml/2006/main">
-  <p:cSld>
-    <p:spTree>
-      <p:nvGrpSpPr>
-        <p:cNvPr id="1" name="">
-          <a:extLst>
-            <a:ext uri="{FF2B5EF4-FFF2-40B4-BE49-F238E27FC236}">
-              <a16:creationId xmlns:a16="http://schemas.microsoft.com/office/drawing/2014/main" id="{A98102A1-792A-230E-C051-D43A8E9F06EB}"/>
-            </a:ext>
-          </a:extLst>
-        </p:cNvPr>
-        <p:cNvGrpSpPr/>
-        <p:nvPr/>
-      </p:nvGrpSpPr>
-      <p:grpSpPr>
-        <a:xfrm>
-          <a:off x="0" y="0"/>
-          <a:ext cx="0" cy="0"/>
-          <a:chOff x="0" y="0"/>
-          <a:chExt cx="0" cy="0"/>
-        </a:xfrm>
-      </p:grpSpPr>
-      <p:sp>
-        <p:nvSpPr>
-          <p:cNvPr id="2" name="Title 1">
-            <a:extLst>
-              <a:ext uri="{FF2B5EF4-FFF2-40B4-BE49-F238E27FC236}">
-                <a16:creationId xmlns:a16="http://schemas.microsoft.com/office/drawing/2014/main" id="{832824E2-B5E1-16BB-7F5D-A18E4D816492}"/>
-              </a:ext>
-            </a:extLst>
-          </p:cNvPr>
-          <p:cNvSpPr>
-            <a:spLocks noGrp="1"/>
-          </p:cNvSpPr>
-          <p:nvPr>
-            <p:ph type="title"/>
-          </p:nvPr>
-        </p:nvSpPr>
-        <p:spPr/>
-        <p:txBody>
-          <a:bodyPr>
-            <a:normAutofit/>
-          </a:bodyPr>
-          <a:lstStyle/>
-          <a:p>
-            <a:r>
-              <a:rPr lang="en-US" sz="4000" dirty="0"/>
-              <a:t>Comparing Data Modification Document vs. Graph</a:t>
-            </a:r>
-            <a:endParaRPr lang="en-AU" sz="4000" dirty="0"/>
-          </a:p>
-        </p:txBody>
-      </p:sp>
-      <p:sp>
-        <p:nvSpPr>
-          <p:cNvPr id="6" name="Text Placeholder 3">
-            <a:extLst>
-              <a:ext uri="{FF2B5EF4-FFF2-40B4-BE49-F238E27FC236}">
-                <a16:creationId xmlns:a16="http://schemas.microsoft.com/office/drawing/2014/main" id="{4E3720BD-B19F-C5EC-4854-50082470A54D}"/>
-              </a:ext>
-            </a:extLst>
-          </p:cNvPr>
-          <p:cNvSpPr txBox="1">
-            <a:spLocks/>
-          </p:cNvSpPr>
-          <p:nvPr/>
-        </p:nvSpPr>
-        <p:spPr>
-          <a:xfrm>
-            <a:off x="992188" y="1833563"/>
-            <a:ext cx="5157787" cy="439737"/>
-          </a:xfrm>
-          <a:prstGeom prst="rect">
-            <a:avLst/>
-          </a:prstGeom>
-        </p:spPr>
-        <p:txBody>
-          <a:bodyPr vert="horz" lIns="91440" tIns="45720" rIns="91440" bIns="45720" rtlCol="0" anchor="b">
-            <a:normAutofit/>
-          </a:bodyPr>
-          <a:lstStyle>
-            <a:lvl1pPr marL="0" indent="0" algn="l" defTabSz="914400" rtl="0" eaLnBrk="1" latinLnBrk="0" hangingPunct="1">
-              <a:lnSpc>
-                <a:spcPct val="90000"/>
-              </a:lnSpc>
-              <a:spcBef>
-                <a:spcPts val="1000"/>
-              </a:spcBef>
-              <a:buFont typeface="Arial" panose="020B0604020202020204" pitchFamily="34" charset="0"/>
-              <a:buNone/>
-              <a:defRPr sz="2400" b="1" kern="1200">
-                <a:solidFill>
-                  <a:schemeClr val="tx1"/>
-                </a:solidFill>
-                <a:latin typeface="+mn-lt"/>
-                <a:ea typeface="+mn-ea"/>
-                <a:cs typeface="+mn-cs"/>
-              </a:defRPr>
-            </a:lvl1pPr>
-            <a:lvl2pPr marL="457200" indent="0" algn="l" defTabSz="914400" rtl="0" eaLnBrk="1" latinLnBrk="0" hangingPunct="1">
-              <a:lnSpc>
-                <a:spcPct val="90000"/>
-              </a:lnSpc>
-              <a:spcBef>
-                <a:spcPts val="500"/>
-              </a:spcBef>
-              <a:buFont typeface="Arial" panose="020B0604020202020204" pitchFamily="34" charset="0"/>
-              <a:buNone/>
-              <a:defRPr sz="2000" b="1" kern="1200">
-                <a:solidFill>
-                  <a:schemeClr val="tx1"/>
-                </a:solidFill>
-                <a:latin typeface="+mn-lt"/>
-                <a:ea typeface="+mn-ea"/>
-                <a:cs typeface="+mn-cs"/>
-              </a:defRPr>
-            </a:lvl2pPr>
-            <a:lvl3pPr marL="914400" indent="0" algn="l" defTabSz="914400" rtl="0" eaLnBrk="1" latinLnBrk="0" hangingPunct="1">
-              <a:lnSpc>
-                <a:spcPct val="90000"/>
-              </a:lnSpc>
-              <a:spcBef>
-                <a:spcPts val="500"/>
-              </a:spcBef>
-              <a:buFont typeface="Arial" panose="020B0604020202020204" pitchFamily="34" charset="0"/>
-              <a:buNone/>
-              <a:defRPr sz="1800" b="1" kern="1200">
-                <a:solidFill>
-                  <a:schemeClr val="tx1"/>
-                </a:solidFill>
-                <a:latin typeface="+mn-lt"/>
-                <a:ea typeface="+mn-ea"/>
-                <a:cs typeface="+mn-cs"/>
-              </a:defRPr>
-            </a:lvl3pPr>
-            <a:lvl4pPr marL="1371600" indent="0" algn="l" defTabSz="914400" rtl="0" eaLnBrk="1" latinLnBrk="0" hangingPunct="1">
-              <a:lnSpc>
-                <a:spcPct val="90000"/>
-              </a:lnSpc>
-              <a:spcBef>
-                <a:spcPts val="500"/>
-              </a:spcBef>
-              <a:buFont typeface="Arial" panose="020B0604020202020204" pitchFamily="34" charset="0"/>
-              <a:buNone/>
-              <a:defRPr sz="1600" b="1" kern="1200">
-                <a:solidFill>
-                  <a:schemeClr val="tx1"/>
-                </a:solidFill>
-                <a:latin typeface="+mn-lt"/>
-                <a:ea typeface="+mn-ea"/>
-                <a:cs typeface="+mn-cs"/>
-              </a:defRPr>
-            </a:lvl4pPr>
-            <a:lvl5pPr marL="1828800" indent="0" algn="l" defTabSz="914400" rtl="0" eaLnBrk="1" latinLnBrk="0" hangingPunct="1">
-              <a:lnSpc>
-                <a:spcPct val="90000"/>
-              </a:lnSpc>
-              <a:spcBef>
-                <a:spcPts val="500"/>
-              </a:spcBef>
-              <a:buFont typeface="Arial" panose="020B0604020202020204" pitchFamily="34" charset="0"/>
-              <a:buNone/>
-              <a:defRPr sz="1600" b="1" kern="1200">
-                <a:solidFill>
-                  <a:schemeClr val="tx1"/>
-                </a:solidFill>
-                <a:latin typeface="+mn-lt"/>
-                <a:ea typeface="+mn-ea"/>
-                <a:cs typeface="+mn-cs"/>
-              </a:defRPr>
-            </a:lvl5pPr>
-            <a:lvl6pPr marL="2286000" indent="0" algn="l" defTabSz="914400" rtl="0" eaLnBrk="1" latinLnBrk="0" hangingPunct="1">
-              <a:lnSpc>
-                <a:spcPct val="90000"/>
-              </a:lnSpc>
-              <a:spcBef>
-                <a:spcPts val="500"/>
-              </a:spcBef>
-              <a:buFont typeface="Arial" panose="020B0604020202020204" pitchFamily="34" charset="0"/>
-              <a:buNone/>
-              <a:defRPr sz="1600" b="1" kern="1200">
-                <a:solidFill>
-                  <a:schemeClr val="tx1"/>
-                </a:solidFill>
-                <a:latin typeface="+mn-lt"/>
-                <a:ea typeface="+mn-ea"/>
-                <a:cs typeface="+mn-cs"/>
-              </a:defRPr>
-            </a:lvl6pPr>
-            <a:lvl7pPr marL="2743200" indent="0" algn="l" defTabSz="914400" rtl="0" eaLnBrk="1" latinLnBrk="0" hangingPunct="1">
-              <a:lnSpc>
-                <a:spcPct val="90000"/>
-              </a:lnSpc>
-              <a:spcBef>
-                <a:spcPts val="500"/>
-              </a:spcBef>
-              <a:buFont typeface="Arial" panose="020B0604020202020204" pitchFamily="34" charset="0"/>
-              <a:buNone/>
-              <a:defRPr sz="1600" b="1" kern="1200">
-                <a:solidFill>
-                  <a:schemeClr val="tx1"/>
-                </a:solidFill>
-                <a:latin typeface="+mn-lt"/>
-                <a:ea typeface="+mn-ea"/>
-                <a:cs typeface="+mn-cs"/>
-              </a:defRPr>
-            </a:lvl7pPr>
-            <a:lvl8pPr marL="3200400" indent="0" algn="l" defTabSz="914400" rtl="0" eaLnBrk="1" latinLnBrk="0" hangingPunct="1">
-              <a:lnSpc>
-                <a:spcPct val="90000"/>
-              </a:lnSpc>
-              <a:spcBef>
-                <a:spcPts val="500"/>
-              </a:spcBef>
-              <a:buFont typeface="Arial" panose="020B0604020202020204" pitchFamily="34" charset="0"/>
-              <a:buNone/>
-              <a:defRPr sz="1600" b="1" kern="1200">
-                <a:solidFill>
-                  <a:schemeClr val="tx1"/>
-                </a:solidFill>
-                <a:latin typeface="+mn-lt"/>
-                <a:ea typeface="+mn-ea"/>
-                <a:cs typeface="+mn-cs"/>
-              </a:defRPr>
-            </a:lvl8pPr>
-            <a:lvl9pPr marL="3657600" indent="0" algn="l" defTabSz="914400" rtl="0" eaLnBrk="1" latinLnBrk="0" hangingPunct="1">
-              <a:lnSpc>
-                <a:spcPct val="90000"/>
-              </a:lnSpc>
-              <a:spcBef>
-                <a:spcPts val="500"/>
-              </a:spcBef>
-              <a:buFont typeface="Arial" panose="020B0604020202020204" pitchFamily="34" charset="0"/>
-              <a:buNone/>
-              <a:defRPr sz="1600" b="1" kern="1200">
-                <a:solidFill>
-                  <a:schemeClr val="tx1"/>
-                </a:solidFill>
-                <a:latin typeface="+mn-lt"/>
-                <a:ea typeface="+mn-ea"/>
-                <a:cs typeface="+mn-cs"/>
-              </a:defRPr>
-            </a:lvl9pPr>
-          </a:lstStyle>
-          <a:p>
-            <a:r>
-              <a:rPr lang="en-US" b="0" dirty="0"/>
-              <a:t>Transactions</a:t>
-            </a:r>
-            <a:endParaRPr lang="en-AU" b="0" dirty="0"/>
-          </a:p>
-        </p:txBody>
-      </p:sp>
-      <p:pic>
-        <p:nvPicPr>
-          <p:cNvPr id="8" name="Picture 7">
-            <a:extLst>
-              <a:ext uri="{FF2B5EF4-FFF2-40B4-BE49-F238E27FC236}">
-                <a16:creationId xmlns:a16="http://schemas.microsoft.com/office/drawing/2014/main" id="{EDEA8248-C354-164A-2487-712DFDCB92B5}"/>
-              </a:ext>
-            </a:extLst>
-          </p:cNvPr>
-          <p:cNvPicPr>
-            <a:picLocks noChangeAspect="1"/>
-          </p:cNvPicPr>
-          <p:nvPr/>
-        </p:nvPicPr>
-        <p:blipFill>
-          <a:blip r:embed="rId2"/>
-          <a:stretch>
-            <a:fillRect/>
-          </a:stretch>
-        </p:blipFill>
-        <p:spPr>
-          <a:xfrm>
-            <a:off x="992187" y="2341490"/>
-            <a:ext cx="4143953" cy="1650911"/>
-          </a:xfrm>
-          <a:prstGeom prst="rect">
-            <a:avLst/>
-          </a:prstGeom>
-        </p:spPr>
-      </p:pic>
-      <p:pic>
-        <p:nvPicPr>
-          <p:cNvPr id="22" name="Picture 21">
-            <a:extLst>
-              <a:ext uri="{FF2B5EF4-FFF2-40B4-BE49-F238E27FC236}">
-                <a16:creationId xmlns:a16="http://schemas.microsoft.com/office/drawing/2014/main" id="{20893E2A-C1D4-EB49-CF71-7E0F64C055DE}"/>
-              </a:ext>
-            </a:extLst>
-          </p:cNvPr>
-          <p:cNvPicPr>
-            <a:picLocks noChangeAspect="1"/>
-          </p:cNvPicPr>
-          <p:nvPr/>
-        </p:nvPicPr>
-        <p:blipFill>
-          <a:blip r:embed="rId3"/>
-          <a:stretch>
-            <a:fillRect/>
-          </a:stretch>
-        </p:blipFill>
-        <p:spPr>
-          <a:xfrm>
-            <a:off x="6096001" y="2341490"/>
-            <a:ext cx="3282950" cy="3809712"/>
-          </a:xfrm>
-          <a:prstGeom prst="rect">
-            <a:avLst/>
-          </a:prstGeom>
-        </p:spPr>
-      </p:pic>
-    </p:spTree>
-    <p:extLst>
-      <p:ext uri="{BB962C8B-B14F-4D97-AF65-F5344CB8AC3E}">
-        <p14:creationId xmlns:p14="http://schemas.microsoft.com/office/powerpoint/2010/main" val="2942555428"/>
       </p:ext>
     </p:extLst>
   </p:cSld>
